--- a/Calendario2021/CISCO/Capítulo2.pptx
+++ b/Calendario2021/CISCO/Capítulo2.pptx
@@ -6,31 +6,30 @@
     <p:sldMasterId id="2147483945" r:id="rId2"/>
   </p:sldMasterIdLst>
   <p:notesMasterIdLst>
-    <p:notesMasterId r:id="rId22"/>
+    <p:notesMasterId r:id="rId21"/>
   </p:notesMasterIdLst>
   <p:handoutMasterIdLst>
-    <p:handoutMasterId r:id="rId23"/>
+    <p:handoutMasterId r:id="rId22"/>
   </p:handoutMasterIdLst>
   <p:sldIdLst>
     <p:sldId id="500" r:id="rId3"/>
     <p:sldId id="912" r:id="rId4"/>
     <p:sldId id="991" r:id="rId5"/>
     <p:sldId id="993" r:id="rId6"/>
-    <p:sldId id="1028" r:id="rId7"/>
-    <p:sldId id="995" r:id="rId8"/>
-    <p:sldId id="996" r:id="rId9"/>
-    <p:sldId id="997" r:id="rId10"/>
-    <p:sldId id="913" r:id="rId11"/>
-    <p:sldId id="998" r:id="rId12"/>
-    <p:sldId id="999" r:id="rId13"/>
-    <p:sldId id="1001" r:id="rId14"/>
-    <p:sldId id="1002" r:id="rId15"/>
-    <p:sldId id="1003" r:id="rId16"/>
-    <p:sldId id="1004" r:id="rId17"/>
-    <p:sldId id="1005" r:id="rId18"/>
-    <p:sldId id="1006" r:id="rId19"/>
-    <p:sldId id="1007" r:id="rId20"/>
-    <p:sldId id="1017" r:id="rId21"/>
+    <p:sldId id="995" r:id="rId7"/>
+    <p:sldId id="996" r:id="rId8"/>
+    <p:sldId id="997" r:id="rId9"/>
+    <p:sldId id="913" r:id="rId10"/>
+    <p:sldId id="998" r:id="rId11"/>
+    <p:sldId id="999" r:id="rId12"/>
+    <p:sldId id="1001" r:id="rId13"/>
+    <p:sldId id="1002" r:id="rId14"/>
+    <p:sldId id="1003" r:id="rId15"/>
+    <p:sldId id="1004" r:id="rId16"/>
+    <p:sldId id="1005" r:id="rId17"/>
+    <p:sldId id="1006" r:id="rId18"/>
+    <p:sldId id="1007" r:id="rId19"/>
+    <p:sldId id="1017" r:id="rId20"/>
   </p:sldIdLst>
   <p:sldSz cx="9144000" cy="6858000" type="screen4x3"/>
   <p:notesSz cx="7010400" cy="9296400"/>
@@ -772,7 +771,7 @@
               </a14:hiddenFill>
             </a:ext>
             <a:ext uri="{FAA26D3D-D897-4be2-8F04-BA451C77F1D7}">
-              <ma14:placeholderFlag xmlns:ma14="http://schemas.microsoft.com/office/mac/drawingml/2011/main" xmlns:mc="http://schemas.openxmlformats.org/markup-compatibility/2006" xmlns:a14="http://schemas.microsoft.com/office/drawing/2010/main" xmlns:c="http://schemas.openxmlformats.org/drawingml/2006/chart" xmlns:dgm="http://schemas.openxmlformats.org/drawingml/2006/diagram" xmlns:cdr="http://schemas.openxmlformats.org/drawingml/2006/chartDrawing" xmlns:wne="http://schemas.microsoft.com/office/powerpoint/2006/powerpointml" xmlns:wp="http://schemas.openxmlformats.org/drawingml/2006/powerpointprocessingDrawing" xmlns:v="urn:schemas-microsoft-com:vml" xmlns:o="urn:schemas-microsoft-com:office:office" xmlns="" val="1"/>
+              <ma14:placeholderFlag xmlns="" xmlns:o="urn:schemas-microsoft-com:office:office" xmlns:v="urn:schemas-microsoft-com:vml" xmlns:wp="http://schemas.openxmlformats.org/drawingml/2006/powerpointprocessingDrawing" xmlns:wne="http://schemas.microsoft.com/office/powerpoint/2006/powerpointml" xmlns:cdr="http://schemas.openxmlformats.org/drawingml/2006/chartDrawing" xmlns:dgm="http://schemas.openxmlformats.org/drawingml/2006/diagram" xmlns:c="http://schemas.openxmlformats.org/drawingml/2006/chart" xmlns:a14="http://schemas.microsoft.com/office/drawing/2010/main" xmlns:mc="http://schemas.openxmlformats.org/markup-compatibility/2006" xmlns:ma14="http://schemas.microsoft.com/office/mac/drawingml/2011/main" val="1"/>
             </a:ext>
           </a:extLst>
         </p:spPr>
@@ -1523,27 +1522,10 @@
           <a:bodyPr/>
           <a:lstStyle/>
           <a:p>
-            <a:pPr marL="0" indent="0">
-              <a:buNone/>
-            </a:pPr>
-            <a:r>
-              <a:rPr lang="es-ES" b="0" dirty="0">
-                <a:latin typeface="Arial" charset="0"/>
-              </a:rPr>
-              <a:t>2.2 Configurar rutas estáticas y predeterminadas</a:t>
-            </a:r>
-          </a:p>
-          <a:p>
-            <a:pPr marL="0" indent="0">
-              <a:buNone/>
-            </a:pPr>
-            <a:r>
-              <a:rPr lang="es-ES" b="0" baseline="0" dirty="0">
-                <a:latin typeface="Arial" charset="0"/>
-              </a:rPr>
-              <a:t>2.2.1.1 Comando ip route</a:t>
-            </a:r>
-            <a:endParaRPr lang="es-ES" b="0" dirty="0"/>
+            <a:r>
+              <a:rPr lang="es-ES"/>
+              <a:t>2.2.1.2 Opciones de siguiente salto</a:t>
+            </a:r>
           </a:p>
           <a:p>
             <a:pPr marL="0" indent="0">
@@ -1556,7 +1538,7 @@
     </p:spTree>
     <p:extLst>
       <p:ext uri="{BB962C8B-B14F-4D97-AF65-F5344CB8AC3E}">
-        <p14:creationId xmlns:p14="http://schemas.microsoft.com/office/powerpoint/2010/main" val="3344426893"/>
+        <p14:creationId xmlns:p14="http://schemas.microsoft.com/office/powerpoint/2010/main" val="2319621466"/>
       </p:ext>
     </p:extLst>
   </p:cSld>
@@ -1801,7 +1783,7 @@
           <a:p>
             <a:r>
               <a:rPr lang="es-ES"/>
-              <a:t>2.2.1.2 Opciones de siguiente salto</a:t>
+              <a:t>2.2.1.3 Configurar una ruta estática de siguiente salto</a:t>
             </a:r>
           </a:p>
           <a:p>
@@ -1815,7 +1797,7 @@
     </p:spTree>
     <p:extLst>
       <p:ext uri="{BB962C8B-B14F-4D97-AF65-F5344CB8AC3E}">
-        <p14:creationId xmlns:p14="http://schemas.microsoft.com/office/powerpoint/2010/main" val="2319621466"/>
+        <p14:creationId xmlns:p14="http://schemas.microsoft.com/office/powerpoint/2010/main" val="1329458452"/>
       </p:ext>
     </p:extLst>
   </p:cSld>
@@ -1844,7 +1826,7 @@
       </p:grpSpPr>
       <p:sp>
         <p:nvSpPr>
-          <p:cNvPr id="22529" name="Rectangle 11"/>
+          <p:cNvPr id="87042" name="Rectangle 11"/>
           <p:cNvSpPr>
             <a:spLocks noGrp="1" noChangeArrowheads="1"/>
           </p:cNvSpPr>
@@ -1854,162 +1836,23 @@
         </p:nvSpPr>
         <p:spPr>
           <a:noFill/>
-          <a:ln/>
-          <a:extLst>
-            <a:ext uri="{909E8E84-426E-40DD-AFC4-6F175D3DCCD1}">
-              <a14:hiddenFill xmlns:a14="http://schemas.microsoft.com/office/drawing/2010/main">
-                <a:solidFill>
-                  <a:srgbClr val="FFFFFF"/>
-                </a:solidFill>
-              </a14:hiddenFill>
-            </a:ext>
-            <a:ext uri="{91240B29-F687-4F45-9708-019B960494DF}">
-              <a14:hiddenLine xmlns:a14="http://schemas.microsoft.com/office/drawing/2010/main" w="9525">
-                <a:solidFill>
-                  <a:srgbClr val="000000"/>
-                </a:solidFill>
-                <a:miter lim="800000"/>
-                <a:headEnd/>
-                <a:tailEnd/>
-              </a14:hiddenLine>
-            </a:ext>
-          </a:extLst>
         </p:spPr>
         <p:txBody>
           <a:bodyPr/>
-          <a:lstStyle>
-            <a:lvl1pPr defTabSz="903288">
-              <a:defRPr sz="2400">
-                <a:solidFill>
-                  <a:schemeClr val="tx1"/>
-                </a:solidFill>
-                <a:latin typeface="Arial" charset="0"/>
-                <a:ea typeface="ＭＳ Ｐゴシック" charset="0"/>
-                <a:cs typeface="ＭＳ Ｐゴシック" charset="0"/>
-              </a:defRPr>
-            </a:lvl1pPr>
-            <a:lvl2pPr marL="742950" indent="-285750" defTabSz="903288">
-              <a:defRPr sz="2400">
-                <a:solidFill>
-                  <a:schemeClr val="tx1"/>
-                </a:solidFill>
-                <a:latin typeface="Arial" charset="0"/>
-                <a:ea typeface="ＭＳ Ｐゴシック" charset="0"/>
-              </a:defRPr>
-            </a:lvl2pPr>
-            <a:lvl3pPr marL="1143000" indent="-228600" defTabSz="903288">
-              <a:defRPr sz="2400">
-                <a:solidFill>
-                  <a:schemeClr val="tx1"/>
-                </a:solidFill>
-                <a:latin typeface="Arial" charset="0"/>
-                <a:ea typeface="ＭＳ Ｐゴシック" charset="0"/>
-              </a:defRPr>
-            </a:lvl3pPr>
-            <a:lvl4pPr marL="1600200" indent="-228600" defTabSz="903288">
-              <a:defRPr sz="2400">
-                <a:solidFill>
-                  <a:schemeClr val="tx1"/>
-                </a:solidFill>
-                <a:latin typeface="Arial" charset="0"/>
-                <a:ea typeface="ＭＳ Ｐゴシック" charset="0"/>
-              </a:defRPr>
-            </a:lvl4pPr>
-            <a:lvl5pPr marL="2057400" indent="-228600" defTabSz="903288">
-              <a:defRPr sz="2400">
-                <a:solidFill>
-                  <a:schemeClr val="tx1"/>
-                </a:solidFill>
-                <a:latin typeface="Arial" charset="0"/>
-                <a:ea typeface="ＭＳ Ｐゴシック" charset="0"/>
-              </a:defRPr>
-            </a:lvl5pPr>
-            <a:lvl6pPr marL="2514600" indent="-228600" algn="ctr" defTabSz="903288" eaLnBrk="0" fontAlgn="base" hangingPunct="0">
-              <a:lnSpc>
-                <a:spcPct val="90000"/>
-              </a:lnSpc>
-              <a:spcBef>
-                <a:spcPct val="0"/>
-              </a:spcBef>
-              <a:spcAft>
-                <a:spcPct val="0"/>
-              </a:spcAft>
-              <a:defRPr sz="2400">
-                <a:solidFill>
-                  <a:schemeClr val="tx1"/>
-                </a:solidFill>
-                <a:latin typeface="Arial" charset="0"/>
-                <a:ea typeface="ＭＳ Ｐゴシック" charset="0"/>
-              </a:defRPr>
-            </a:lvl6pPr>
-            <a:lvl7pPr marL="2971800" indent="-228600" algn="ctr" defTabSz="903288" eaLnBrk="0" fontAlgn="base" hangingPunct="0">
-              <a:lnSpc>
-                <a:spcPct val="90000"/>
-              </a:lnSpc>
-              <a:spcBef>
-                <a:spcPct val="0"/>
-              </a:spcBef>
-              <a:spcAft>
-                <a:spcPct val="0"/>
-              </a:spcAft>
-              <a:defRPr sz="2400">
-                <a:solidFill>
-                  <a:schemeClr val="tx1"/>
-                </a:solidFill>
-                <a:latin typeface="Arial" charset="0"/>
-                <a:ea typeface="ＭＳ Ｐゴシック" charset="0"/>
-              </a:defRPr>
-            </a:lvl7pPr>
-            <a:lvl8pPr marL="3429000" indent="-228600" algn="ctr" defTabSz="903288" eaLnBrk="0" fontAlgn="base" hangingPunct="0">
-              <a:lnSpc>
-                <a:spcPct val="90000"/>
-              </a:lnSpc>
-              <a:spcBef>
-                <a:spcPct val="0"/>
-              </a:spcBef>
-              <a:spcAft>
-                <a:spcPct val="0"/>
-              </a:spcAft>
-              <a:defRPr sz="2400">
-                <a:solidFill>
-                  <a:schemeClr val="tx1"/>
-                </a:solidFill>
-                <a:latin typeface="Arial" charset="0"/>
-                <a:ea typeface="ＭＳ Ｐゴシック" charset="0"/>
-              </a:defRPr>
-            </a:lvl8pPr>
-            <a:lvl9pPr marL="3886200" indent="-228600" algn="ctr" defTabSz="903288" eaLnBrk="0" fontAlgn="base" hangingPunct="0">
-              <a:lnSpc>
-                <a:spcPct val="90000"/>
-              </a:lnSpc>
-              <a:spcBef>
-                <a:spcPct val="0"/>
-              </a:spcBef>
-              <a:spcAft>
-                <a:spcPct val="0"/>
-              </a:spcAft>
-              <a:defRPr sz="2400">
-                <a:solidFill>
-                  <a:schemeClr val="tx1"/>
-                </a:solidFill>
-                <a:latin typeface="Arial" charset="0"/>
-                <a:ea typeface="ＭＳ Ｐゴシック" charset="0"/>
-              </a:defRPr>
-            </a:lvl9pPr>
-          </a:lstStyle>
-          <a:p>
-            <a:fld id="{3997A419-355F-A04A-96E0-21643AF8E9FF}" type="slidenum">
-              <a:rPr lang="en-US" sz="800"/>
+          <a:lstStyle/>
+          <a:p>
+            <a:fld id="{570978E6-FB79-4E74-A4A4-2BA13DA27C44}" type="slidenum">
+              <a:rPr lang="en-US" smtClean="0"/>
               <a:pPr/>
               <a:t>12</a:t>
             </a:fld>
-            <a:endParaRPr lang="es-ES" sz="800"/>
+            <a:endParaRPr lang="es-ES"/>
           </a:p>
         </p:txBody>
       </p:sp>
       <p:sp>
         <p:nvSpPr>
-          <p:cNvPr id="22530" name="Rectangle 2"/>
+          <p:cNvPr id="87043" name="Rectangle 2"/>
           <p:cNvSpPr>
             <a:spLocks noGrp="1" noRot="1" noChangeAspect="1" noChangeArrowheads="1" noTextEdit="1"/>
           </p:cNvSpPr>
@@ -2023,7 +1866,7 @@
       </p:sp>
       <p:sp>
         <p:nvSpPr>
-          <p:cNvPr id="22531" name="Rectangle 3"/>
+          <p:cNvPr id="87044" name="Rectangle 3"/>
           <p:cNvSpPr>
             <a:spLocks noGrp="1" noChangeArrowheads="1"/>
           </p:cNvSpPr>
@@ -2034,47 +1877,31 @@
         <p:spPr>
           <a:noFill/>
           <a:ln/>
-          <a:extLst>
-            <a:ext uri="{909E8E84-426E-40DD-AFC4-6F175D3DCCD1}">
-              <a14:hiddenFill xmlns:a14="http://schemas.microsoft.com/office/drawing/2010/main">
-                <a:solidFill>
-                  <a:srgbClr val="FFFFFF"/>
-                </a:solidFill>
-              </a14:hiddenFill>
-            </a:ext>
-            <a:ext uri="{91240B29-F687-4F45-9708-019B960494DF}">
-              <a14:hiddenLine xmlns:a14="http://schemas.microsoft.com/office/drawing/2010/main" w="9525">
-                <a:solidFill>
-                  <a:srgbClr val="000000"/>
-                </a:solidFill>
-                <a:miter lim="800000"/>
-                <a:headEnd/>
-                <a:tailEnd/>
-              </a14:hiddenLine>
-            </a:ext>
-          </a:extLst>
         </p:spPr>
         <p:txBody>
           <a:bodyPr/>
           <a:lstStyle/>
           <a:p>
-            <a:r>
-              <a:rPr lang="es-ES"/>
-              <a:t>2.2.1.3 Configurar una ruta estática de siguiente salto</a:t>
-            </a:r>
-          </a:p>
-          <a:p>
-            <a:pPr marL="0" indent="0">
+            <a:pPr marL="0" indent="0" fontAlgn="base">
               <a:buNone/>
             </a:pPr>
-            <a:endParaRPr lang="es-ES" dirty="0"/>
+            <a:r>
+              <a:rPr lang="es-ES" sz="1200" b="0" i="0" kern="1200" dirty="0">
+                <a:solidFill>
+                  <a:schemeClr val="tx1"/>
+                </a:solidFill>
+                <a:effectLst/>
+                <a:latin typeface="Arial" charset="0"/>
+              </a:rPr>
+              <a:t>2.2.1.4 Configurar una ruta estática conectada directamente</a:t>
+            </a:r>
           </a:p>
         </p:txBody>
       </p:sp>
     </p:spTree>
     <p:extLst>
       <p:ext uri="{BB962C8B-B14F-4D97-AF65-F5344CB8AC3E}">
-        <p14:creationId xmlns:p14="http://schemas.microsoft.com/office/powerpoint/2010/main" val="1329458452"/>
+        <p14:creationId xmlns:p14="http://schemas.microsoft.com/office/powerpoint/2010/main" val="1415311648"/>
       </p:ext>
     </p:extLst>
   </p:cSld>
@@ -2103,7 +1930,7 @@
       </p:grpSpPr>
       <p:sp>
         <p:nvSpPr>
-          <p:cNvPr id="87042" name="Rectangle 11"/>
+          <p:cNvPr id="22529" name="Rectangle 11"/>
           <p:cNvSpPr>
             <a:spLocks noGrp="1" noChangeArrowheads="1"/>
           </p:cNvSpPr>
@@ -2113,23 +1940,162 @@
         </p:nvSpPr>
         <p:spPr>
           <a:noFill/>
+          <a:ln/>
+          <a:extLst>
+            <a:ext uri="{909E8E84-426E-40DD-AFC4-6F175D3DCCD1}">
+              <a14:hiddenFill xmlns:a14="http://schemas.microsoft.com/office/drawing/2010/main">
+                <a:solidFill>
+                  <a:srgbClr val="FFFFFF"/>
+                </a:solidFill>
+              </a14:hiddenFill>
+            </a:ext>
+            <a:ext uri="{91240B29-F687-4F45-9708-019B960494DF}">
+              <a14:hiddenLine xmlns:a14="http://schemas.microsoft.com/office/drawing/2010/main" w="9525">
+                <a:solidFill>
+                  <a:srgbClr val="000000"/>
+                </a:solidFill>
+                <a:miter lim="800000"/>
+                <a:headEnd/>
+                <a:tailEnd/>
+              </a14:hiddenLine>
+            </a:ext>
+          </a:extLst>
         </p:spPr>
         <p:txBody>
           <a:bodyPr/>
-          <a:lstStyle/>
-          <a:p>
-            <a:fld id="{570978E6-FB79-4E74-A4A4-2BA13DA27C44}" type="slidenum">
-              <a:rPr lang="en-US" smtClean="0"/>
+          <a:lstStyle>
+            <a:lvl1pPr defTabSz="903288">
+              <a:defRPr sz="2400">
+                <a:solidFill>
+                  <a:schemeClr val="tx1"/>
+                </a:solidFill>
+                <a:latin typeface="Arial" charset="0"/>
+                <a:ea typeface="ＭＳ Ｐゴシック" charset="0"/>
+                <a:cs typeface="ＭＳ Ｐゴシック" charset="0"/>
+              </a:defRPr>
+            </a:lvl1pPr>
+            <a:lvl2pPr marL="742950" indent="-285750" defTabSz="903288">
+              <a:defRPr sz="2400">
+                <a:solidFill>
+                  <a:schemeClr val="tx1"/>
+                </a:solidFill>
+                <a:latin typeface="Arial" charset="0"/>
+                <a:ea typeface="ＭＳ Ｐゴシック" charset="0"/>
+              </a:defRPr>
+            </a:lvl2pPr>
+            <a:lvl3pPr marL="1143000" indent="-228600" defTabSz="903288">
+              <a:defRPr sz="2400">
+                <a:solidFill>
+                  <a:schemeClr val="tx1"/>
+                </a:solidFill>
+                <a:latin typeface="Arial" charset="0"/>
+                <a:ea typeface="ＭＳ Ｐゴシック" charset="0"/>
+              </a:defRPr>
+            </a:lvl3pPr>
+            <a:lvl4pPr marL="1600200" indent="-228600" defTabSz="903288">
+              <a:defRPr sz="2400">
+                <a:solidFill>
+                  <a:schemeClr val="tx1"/>
+                </a:solidFill>
+                <a:latin typeface="Arial" charset="0"/>
+                <a:ea typeface="ＭＳ Ｐゴシック" charset="0"/>
+              </a:defRPr>
+            </a:lvl4pPr>
+            <a:lvl5pPr marL="2057400" indent="-228600" defTabSz="903288">
+              <a:defRPr sz="2400">
+                <a:solidFill>
+                  <a:schemeClr val="tx1"/>
+                </a:solidFill>
+                <a:latin typeface="Arial" charset="0"/>
+                <a:ea typeface="ＭＳ Ｐゴシック" charset="0"/>
+              </a:defRPr>
+            </a:lvl5pPr>
+            <a:lvl6pPr marL="2514600" indent="-228600" algn="ctr" defTabSz="903288" eaLnBrk="0" fontAlgn="base" hangingPunct="0">
+              <a:lnSpc>
+                <a:spcPct val="90000"/>
+              </a:lnSpc>
+              <a:spcBef>
+                <a:spcPct val="0"/>
+              </a:spcBef>
+              <a:spcAft>
+                <a:spcPct val="0"/>
+              </a:spcAft>
+              <a:defRPr sz="2400">
+                <a:solidFill>
+                  <a:schemeClr val="tx1"/>
+                </a:solidFill>
+                <a:latin typeface="Arial" charset="0"/>
+                <a:ea typeface="ＭＳ Ｐゴシック" charset="0"/>
+              </a:defRPr>
+            </a:lvl6pPr>
+            <a:lvl7pPr marL="2971800" indent="-228600" algn="ctr" defTabSz="903288" eaLnBrk="0" fontAlgn="base" hangingPunct="0">
+              <a:lnSpc>
+                <a:spcPct val="90000"/>
+              </a:lnSpc>
+              <a:spcBef>
+                <a:spcPct val="0"/>
+              </a:spcBef>
+              <a:spcAft>
+                <a:spcPct val="0"/>
+              </a:spcAft>
+              <a:defRPr sz="2400">
+                <a:solidFill>
+                  <a:schemeClr val="tx1"/>
+                </a:solidFill>
+                <a:latin typeface="Arial" charset="0"/>
+                <a:ea typeface="ＭＳ Ｐゴシック" charset="0"/>
+              </a:defRPr>
+            </a:lvl7pPr>
+            <a:lvl8pPr marL="3429000" indent="-228600" algn="ctr" defTabSz="903288" eaLnBrk="0" fontAlgn="base" hangingPunct="0">
+              <a:lnSpc>
+                <a:spcPct val="90000"/>
+              </a:lnSpc>
+              <a:spcBef>
+                <a:spcPct val="0"/>
+              </a:spcBef>
+              <a:spcAft>
+                <a:spcPct val="0"/>
+              </a:spcAft>
+              <a:defRPr sz="2400">
+                <a:solidFill>
+                  <a:schemeClr val="tx1"/>
+                </a:solidFill>
+                <a:latin typeface="Arial" charset="0"/>
+                <a:ea typeface="ＭＳ Ｐゴシック" charset="0"/>
+              </a:defRPr>
+            </a:lvl8pPr>
+            <a:lvl9pPr marL="3886200" indent="-228600" algn="ctr" defTabSz="903288" eaLnBrk="0" fontAlgn="base" hangingPunct="0">
+              <a:lnSpc>
+                <a:spcPct val="90000"/>
+              </a:lnSpc>
+              <a:spcBef>
+                <a:spcPct val="0"/>
+              </a:spcBef>
+              <a:spcAft>
+                <a:spcPct val="0"/>
+              </a:spcAft>
+              <a:defRPr sz="2400">
+                <a:solidFill>
+                  <a:schemeClr val="tx1"/>
+                </a:solidFill>
+                <a:latin typeface="Arial" charset="0"/>
+                <a:ea typeface="ＭＳ Ｐゴシック" charset="0"/>
+              </a:defRPr>
+            </a:lvl9pPr>
+          </a:lstStyle>
+          <a:p>
+            <a:fld id="{3997A419-355F-A04A-96E0-21643AF8E9FF}" type="slidenum">
+              <a:rPr lang="en-US" sz="800"/>
               <a:pPr/>
               <a:t>13</a:t>
             </a:fld>
-            <a:endParaRPr lang="es-ES"/>
+            <a:endParaRPr lang="es-ES" sz="800"/>
           </a:p>
         </p:txBody>
       </p:sp>
       <p:sp>
         <p:nvSpPr>
-          <p:cNvPr id="87043" name="Rectangle 2"/>
+          <p:cNvPr id="22530" name="Rectangle 2"/>
           <p:cNvSpPr>
             <a:spLocks noGrp="1" noRot="1" noChangeAspect="1" noChangeArrowheads="1" noTextEdit="1"/>
           </p:cNvSpPr>
@@ -2143,7 +2109,7 @@
       </p:sp>
       <p:sp>
         <p:nvSpPr>
-          <p:cNvPr id="87044" name="Rectangle 3"/>
+          <p:cNvPr id="22531" name="Rectangle 3"/>
           <p:cNvSpPr>
             <a:spLocks noGrp="1" noChangeArrowheads="1"/>
           </p:cNvSpPr>
@@ -2154,31 +2120,47 @@
         <p:spPr>
           <a:noFill/>
           <a:ln/>
+          <a:extLst>
+            <a:ext uri="{909E8E84-426E-40DD-AFC4-6F175D3DCCD1}">
+              <a14:hiddenFill xmlns:a14="http://schemas.microsoft.com/office/drawing/2010/main">
+                <a:solidFill>
+                  <a:srgbClr val="FFFFFF"/>
+                </a:solidFill>
+              </a14:hiddenFill>
+            </a:ext>
+            <a:ext uri="{91240B29-F687-4F45-9708-019B960494DF}">
+              <a14:hiddenLine xmlns:a14="http://schemas.microsoft.com/office/drawing/2010/main" w="9525">
+                <a:solidFill>
+                  <a:srgbClr val="000000"/>
+                </a:solidFill>
+                <a:miter lim="800000"/>
+                <a:headEnd/>
+                <a:tailEnd/>
+              </a14:hiddenLine>
+            </a:ext>
+          </a:extLst>
         </p:spPr>
         <p:txBody>
           <a:bodyPr/>
           <a:lstStyle/>
           <a:p>
-            <a:pPr marL="0" indent="0" fontAlgn="base">
+            <a:r>
+              <a:rPr lang="es-ES"/>
+              <a:t>2.2.1.5 Configurar una ruta estática totalmente especificada</a:t>
+            </a:r>
+          </a:p>
+          <a:p>
+            <a:pPr marL="0" indent="0">
               <a:buNone/>
             </a:pPr>
-            <a:r>
-              <a:rPr lang="es-ES" sz="1200" b="0" i="0" kern="1200" dirty="0">
-                <a:solidFill>
-                  <a:schemeClr val="tx1"/>
-                </a:solidFill>
-                <a:effectLst/>
-                <a:latin typeface="Arial" charset="0"/>
-              </a:rPr>
-              <a:t>2.2.1.4 Configurar una ruta estática conectada directamente</a:t>
-            </a:r>
+            <a:endParaRPr lang="es-ES" dirty="0"/>
           </a:p>
         </p:txBody>
       </p:sp>
     </p:spTree>
     <p:extLst>
       <p:ext uri="{BB962C8B-B14F-4D97-AF65-F5344CB8AC3E}">
-        <p14:creationId xmlns:p14="http://schemas.microsoft.com/office/powerpoint/2010/main" val="1415311648"/>
+        <p14:creationId xmlns:p14="http://schemas.microsoft.com/office/powerpoint/2010/main" val="631715439"/>
       </p:ext>
     </p:extLst>
   </p:cSld>
@@ -2423,7 +2405,7 @@
           <a:p>
             <a:r>
               <a:rPr lang="es-ES"/>
-              <a:t>2.2.1.5 Configurar una ruta estática totalmente especificada</a:t>
+              <a:t>2.2.1.6 Verificar una ruta estática</a:t>
             </a:r>
           </a:p>
           <a:p>
@@ -2437,7 +2419,7 @@
     </p:spTree>
     <p:extLst>
       <p:ext uri="{BB962C8B-B14F-4D97-AF65-F5344CB8AC3E}">
-        <p14:creationId xmlns:p14="http://schemas.microsoft.com/office/powerpoint/2010/main" val="631715439"/>
+        <p14:creationId xmlns:p14="http://schemas.microsoft.com/office/powerpoint/2010/main" val="757183850"/>
       </p:ext>
     </p:extLst>
   </p:cSld>
@@ -2682,7 +2664,7 @@
           <a:p>
             <a:r>
               <a:rPr lang="es-ES"/>
-              <a:t>2.2.1.6 Verificar una ruta estática</a:t>
+              <a:t>2.2.2.1 Ruta estática predeterminada</a:t>
             </a:r>
           </a:p>
           <a:p>
@@ -2696,7 +2678,7 @@
     </p:spTree>
     <p:extLst>
       <p:ext uri="{BB962C8B-B14F-4D97-AF65-F5344CB8AC3E}">
-        <p14:creationId xmlns:p14="http://schemas.microsoft.com/office/powerpoint/2010/main" val="757183850"/>
+        <p14:creationId xmlns:p14="http://schemas.microsoft.com/office/powerpoint/2010/main" val="137729798"/>
       </p:ext>
     </p:extLst>
   </p:cSld>
@@ -2941,7 +2923,7 @@
           <a:p>
             <a:r>
               <a:rPr lang="es-ES"/>
-              <a:t>2.2.2.1 Ruta estática predeterminada</a:t>
+              <a:t>2.2.2.2 Configurar una ruta estática predeterminada</a:t>
             </a:r>
           </a:p>
           <a:p>
@@ -2955,7 +2937,7 @@
     </p:spTree>
     <p:extLst>
       <p:ext uri="{BB962C8B-B14F-4D97-AF65-F5344CB8AC3E}">
-        <p14:creationId xmlns:p14="http://schemas.microsoft.com/office/powerpoint/2010/main" val="137729798"/>
+        <p14:creationId xmlns:p14="http://schemas.microsoft.com/office/powerpoint/2010/main" val="2305959011"/>
       </p:ext>
     </p:extLst>
   </p:cSld>
@@ -3199,8 +3181,16 @@
           <a:lstStyle/>
           <a:p>
             <a:r>
-              <a:rPr lang="es-ES"/>
-              <a:t>2.2.2.2 Configurar una ruta estática predeterminada</a:t>
+              <a:rPr lang="es-ES" b="0" baseline="0" dirty="0">
+                <a:latin typeface="Arial" charset="0"/>
+              </a:rPr>
+              <a:t>2.2.2.3 </a:t>
+            </a:r>
+            <a:r>
+              <a:rPr lang="es-ES" b="0" dirty="0">
+                <a:effectLst/>
+              </a:rPr>
+              <a:t>Verificar una ruta estática predeterminada</a:t>
             </a:r>
           </a:p>
           <a:p>
@@ -3214,7 +3204,7 @@
     </p:spTree>
     <p:extLst>
       <p:ext uri="{BB962C8B-B14F-4D97-AF65-F5344CB8AC3E}">
-        <p14:creationId xmlns:p14="http://schemas.microsoft.com/office/powerpoint/2010/main" val="2305959011"/>
+        <p14:creationId xmlns:p14="http://schemas.microsoft.com/office/powerpoint/2010/main" val="1575111886"/>
       </p:ext>
     </p:extLst>
   </p:cSld>
@@ -3401,273 +3391,6 @@
               <a:rPr lang="en-US" sz="800"/>
               <a:pPr/>
               <a:t>18</a:t>
-            </a:fld>
-            <a:endParaRPr lang="es-ES" sz="800"/>
-          </a:p>
-        </p:txBody>
-      </p:sp>
-      <p:sp>
-        <p:nvSpPr>
-          <p:cNvPr id="22530" name="Rectangle 2"/>
-          <p:cNvSpPr>
-            <a:spLocks noGrp="1" noRot="1" noChangeAspect="1" noChangeArrowheads="1" noTextEdit="1"/>
-          </p:cNvSpPr>
-          <p:nvPr>
-            <p:ph type="sldImg"/>
-          </p:nvPr>
-        </p:nvSpPr>
-        <p:spPr>
-          <a:ln/>
-        </p:spPr>
-      </p:sp>
-      <p:sp>
-        <p:nvSpPr>
-          <p:cNvPr id="22531" name="Rectangle 3"/>
-          <p:cNvSpPr>
-            <a:spLocks noGrp="1" noChangeArrowheads="1"/>
-          </p:cNvSpPr>
-          <p:nvPr>
-            <p:ph type="body" idx="1"/>
-          </p:nvPr>
-        </p:nvSpPr>
-        <p:spPr>
-          <a:noFill/>
-          <a:ln/>
-          <a:extLst>
-            <a:ext uri="{909E8E84-426E-40DD-AFC4-6F175D3DCCD1}">
-              <a14:hiddenFill xmlns:a14="http://schemas.microsoft.com/office/drawing/2010/main">
-                <a:solidFill>
-                  <a:srgbClr val="FFFFFF"/>
-                </a:solidFill>
-              </a14:hiddenFill>
-            </a:ext>
-            <a:ext uri="{91240B29-F687-4F45-9708-019B960494DF}">
-              <a14:hiddenLine xmlns:a14="http://schemas.microsoft.com/office/drawing/2010/main" w="9525">
-                <a:solidFill>
-                  <a:srgbClr val="000000"/>
-                </a:solidFill>
-                <a:miter lim="800000"/>
-                <a:headEnd/>
-                <a:tailEnd/>
-              </a14:hiddenLine>
-            </a:ext>
-          </a:extLst>
-        </p:spPr>
-        <p:txBody>
-          <a:bodyPr/>
-          <a:lstStyle/>
-          <a:p>
-            <a:r>
-              <a:rPr lang="es-ES" b="0" baseline="0" dirty="0">
-                <a:latin typeface="Arial" charset="0"/>
-              </a:rPr>
-              <a:t>2.2.2.3 </a:t>
-            </a:r>
-            <a:r>
-              <a:rPr lang="es-ES" b="0" dirty="0">
-                <a:effectLst/>
-              </a:rPr>
-              <a:t>Verificar una ruta estática predeterminada</a:t>
-            </a:r>
-          </a:p>
-          <a:p>
-            <a:pPr marL="0" indent="0">
-              <a:buNone/>
-            </a:pPr>
-            <a:endParaRPr lang="es-ES" dirty="0"/>
-          </a:p>
-        </p:txBody>
-      </p:sp>
-    </p:spTree>
-    <p:extLst>
-      <p:ext uri="{BB962C8B-B14F-4D97-AF65-F5344CB8AC3E}">
-        <p14:creationId xmlns:p14="http://schemas.microsoft.com/office/powerpoint/2010/main" val="1575111886"/>
-      </p:ext>
-    </p:extLst>
-  </p:cSld>
-  <p:clrMapOvr>
-    <a:masterClrMapping/>
-  </p:clrMapOvr>
-</p:notes>
-</file>
-
-<file path=ppt/notesSlides/notesSlide19.xml><?xml version="1.0" encoding="utf-8"?>
-<p:notes xmlns:a="http://schemas.openxmlformats.org/drawingml/2006/main" xmlns:r="http://schemas.openxmlformats.org/officeDocument/2006/relationships" xmlns:p="http://schemas.openxmlformats.org/presentationml/2006/main">
-  <p:cSld>
-    <p:spTree>
-      <p:nvGrpSpPr>
-        <p:cNvPr id="1" name=""/>
-        <p:cNvGrpSpPr/>
-        <p:nvPr/>
-      </p:nvGrpSpPr>
-      <p:grpSpPr>
-        <a:xfrm>
-          <a:off x="0" y="0"/>
-          <a:ext cx="0" cy="0"/>
-          <a:chOff x="0" y="0"/>
-          <a:chExt cx="0" cy="0"/>
-        </a:xfrm>
-      </p:grpSpPr>
-      <p:sp>
-        <p:nvSpPr>
-          <p:cNvPr id="22529" name="Rectangle 11"/>
-          <p:cNvSpPr>
-            <a:spLocks noGrp="1" noChangeArrowheads="1"/>
-          </p:cNvSpPr>
-          <p:nvPr>
-            <p:ph type="sldNum" sz="quarter" idx="5"/>
-          </p:nvPr>
-        </p:nvSpPr>
-        <p:spPr>
-          <a:noFill/>
-          <a:ln/>
-          <a:extLst>
-            <a:ext uri="{909E8E84-426E-40DD-AFC4-6F175D3DCCD1}">
-              <a14:hiddenFill xmlns:a14="http://schemas.microsoft.com/office/drawing/2010/main">
-                <a:solidFill>
-                  <a:srgbClr val="FFFFFF"/>
-                </a:solidFill>
-              </a14:hiddenFill>
-            </a:ext>
-            <a:ext uri="{91240B29-F687-4F45-9708-019B960494DF}">
-              <a14:hiddenLine xmlns:a14="http://schemas.microsoft.com/office/drawing/2010/main" w="9525">
-                <a:solidFill>
-                  <a:srgbClr val="000000"/>
-                </a:solidFill>
-                <a:miter lim="800000"/>
-                <a:headEnd/>
-                <a:tailEnd/>
-              </a14:hiddenLine>
-            </a:ext>
-          </a:extLst>
-        </p:spPr>
-        <p:txBody>
-          <a:bodyPr/>
-          <a:lstStyle>
-            <a:lvl1pPr defTabSz="903288">
-              <a:defRPr sz="2400">
-                <a:solidFill>
-                  <a:schemeClr val="tx1"/>
-                </a:solidFill>
-                <a:latin typeface="Arial" charset="0"/>
-                <a:ea typeface="ＭＳ Ｐゴシック" charset="0"/>
-                <a:cs typeface="ＭＳ Ｐゴシック" charset="0"/>
-              </a:defRPr>
-            </a:lvl1pPr>
-            <a:lvl2pPr marL="742950" indent="-285750" defTabSz="903288">
-              <a:defRPr sz="2400">
-                <a:solidFill>
-                  <a:schemeClr val="tx1"/>
-                </a:solidFill>
-                <a:latin typeface="Arial" charset="0"/>
-                <a:ea typeface="ＭＳ Ｐゴシック" charset="0"/>
-              </a:defRPr>
-            </a:lvl2pPr>
-            <a:lvl3pPr marL="1143000" indent="-228600" defTabSz="903288">
-              <a:defRPr sz="2400">
-                <a:solidFill>
-                  <a:schemeClr val="tx1"/>
-                </a:solidFill>
-                <a:latin typeface="Arial" charset="0"/>
-                <a:ea typeface="ＭＳ Ｐゴシック" charset="0"/>
-              </a:defRPr>
-            </a:lvl3pPr>
-            <a:lvl4pPr marL="1600200" indent="-228600" defTabSz="903288">
-              <a:defRPr sz="2400">
-                <a:solidFill>
-                  <a:schemeClr val="tx1"/>
-                </a:solidFill>
-                <a:latin typeface="Arial" charset="0"/>
-                <a:ea typeface="ＭＳ Ｐゴシック" charset="0"/>
-              </a:defRPr>
-            </a:lvl4pPr>
-            <a:lvl5pPr marL="2057400" indent="-228600" defTabSz="903288">
-              <a:defRPr sz="2400">
-                <a:solidFill>
-                  <a:schemeClr val="tx1"/>
-                </a:solidFill>
-                <a:latin typeface="Arial" charset="0"/>
-                <a:ea typeface="ＭＳ Ｐゴシック" charset="0"/>
-              </a:defRPr>
-            </a:lvl5pPr>
-            <a:lvl6pPr marL="2514600" indent="-228600" algn="ctr" defTabSz="903288" eaLnBrk="0" fontAlgn="base" hangingPunct="0">
-              <a:lnSpc>
-                <a:spcPct val="90000"/>
-              </a:lnSpc>
-              <a:spcBef>
-                <a:spcPct val="0"/>
-              </a:spcBef>
-              <a:spcAft>
-                <a:spcPct val="0"/>
-              </a:spcAft>
-              <a:defRPr sz="2400">
-                <a:solidFill>
-                  <a:schemeClr val="tx1"/>
-                </a:solidFill>
-                <a:latin typeface="Arial" charset="0"/>
-                <a:ea typeface="ＭＳ Ｐゴシック" charset="0"/>
-              </a:defRPr>
-            </a:lvl6pPr>
-            <a:lvl7pPr marL="2971800" indent="-228600" algn="ctr" defTabSz="903288" eaLnBrk="0" fontAlgn="base" hangingPunct="0">
-              <a:lnSpc>
-                <a:spcPct val="90000"/>
-              </a:lnSpc>
-              <a:spcBef>
-                <a:spcPct val="0"/>
-              </a:spcBef>
-              <a:spcAft>
-                <a:spcPct val="0"/>
-              </a:spcAft>
-              <a:defRPr sz="2400">
-                <a:solidFill>
-                  <a:schemeClr val="tx1"/>
-                </a:solidFill>
-                <a:latin typeface="Arial" charset="0"/>
-                <a:ea typeface="ＭＳ Ｐゴシック" charset="0"/>
-              </a:defRPr>
-            </a:lvl7pPr>
-            <a:lvl8pPr marL="3429000" indent="-228600" algn="ctr" defTabSz="903288" eaLnBrk="0" fontAlgn="base" hangingPunct="0">
-              <a:lnSpc>
-                <a:spcPct val="90000"/>
-              </a:lnSpc>
-              <a:spcBef>
-                <a:spcPct val="0"/>
-              </a:spcBef>
-              <a:spcAft>
-                <a:spcPct val="0"/>
-              </a:spcAft>
-              <a:defRPr sz="2400">
-                <a:solidFill>
-                  <a:schemeClr val="tx1"/>
-                </a:solidFill>
-                <a:latin typeface="Arial" charset="0"/>
-                <a:ea typeface="ＭＳ Ｐゴシック" charset="0"/>
-              </a:defRPr>
-            </a:lvl8pPr>
-            <a:lvl9pPr marL="3886200" indent="-228600" algn="ctr" defTabSz="903288" eaLnBrk="0" fontAlgn="base" hangingPunct="0">
-              <a:lnSpc>
-                <a:spcPct val="90000"/>
-              </a:lnSpc>
-              <a:spcBef>
-                <a:spcPct val="0"/>
-              </a:spcBef>
-              <a:spcAft>
-                <a:spcPct val="0"/>
-              </a:spcAft>
-              <a:defRPr sz="2400">
-                <a:solidFill>
-                  <a:schemeClr val="tx1"/>
-                </a:solidFill>
-                <a:latin typeface="Arial" charset="0"/>
-                <a:ea typeface="ＭＳ Ｐゴシック" charset="0"/>
-              </a:defRPr>
-            </a:lvl9pPr>
-          </a:lstStyle>
-          <a:p>
-            <a:fld id="{3997A419-355F-A04A-96E0-21643AF8E9FF}" type="slidenum">
-              <a:rPr lang="en-US" sz="800"/>
-              <a:pPr/>
-              <a:t>19</a:t>
             </a:fld>
             <a:endParaRPr lang="es-ES" sz="800"/>
           </a:p>
@@ -4863,49 +4586,32 @@
           <a:bodyPr/>
           <a:lstStyle/>
           <a:p>
+            <a:pPr marL="0" marR="0" indent="0" algn="l" defTabSz="1020763" rtl="0" eaLnBrk="0" fontAlgn="base" latinLnBrk="0" hangingPunct="0">
+              <a:lnSpc>
+                <a:spcPct val="90000"/>
+              </a:lnSpc>
+              <a:spcBef>
+                <a:spcPct val="50000"/>
+              </a:spcBef>
+              <a:spcAft>
+                <a:spcPct val="0"/>
+              </a:spcAft>
+              <a:buClrTx/>
+              <a:buSzPct val="100000"/>
+              <a:buFontTx/>
+              <a:buNone/>
+              <a:tabLst/>
+              <a:defRPr/>
+            </a:pPr>
+            <a:r>
+              <a:rPr lang="es-ES"/>
+              <a:t>2.1.2.3 Ruta estática predeterminada</a:t>
+            </a:r>
+          </a:p>
+          <a:p>
             <a:pPr marL="0" indent="0">
               <a:buNone/>
             </a:pPr>
-            <a:r>
-              <a:rPr lang="es-ES" dirty="0">
-                <a:latin typeface="Arial" charset="0"/>
-              </a:rPr>
-              <a:t>2.1.2 </a:t>
-            </a:r>
-            <a:r>
-              <a:rPr lang="es-ES" dirty="0"/>
-              <a:t>–</a:t>
-            </a:r>
-            <a:r>
-              <a:rPr lang="es-ES" dirty="0">
-                <a:latin typeface="Arial" charset="0"/>
-              </a:rPr>
-              <a:t> Tipos de rutas estáticas</a:t>
-            </a:r>
-          </a:p>
-          <a:p>
-            <a:pPr marL="0" indent="0">
-              <a:buNone/>
-            </a:pPr>
-            <a:r>
-              <a:rPr lang="es-ES" dirty="0">
-                <a:latin typeface="Arial" charset="0"/>
-              </a:rPr>
-              <a:t>2.1.2.1 – </a:t>
-            </a:r>
-            <a:r>
-              <a:rPr lang="es-ES" b="0" dirty="0"/>
-              <a:t>Aplicaciones de las rutas estáticas</a:t>
-            </a:r>
-          </a:p>
-          <a:p>
-            <a:pPr>
-              <a:lnSpc>
-                <a:spcPct val="80000"/>
-              </a:lnSpc>
-              <a:buFontTx/>
-              <a:buNone/>
-            </a:pPr>
             <a:endParaRPr lang="es-ES" dirty="0"/>
           </a:p>
         </p:txBody>
@@ -4913,7 +4619,7 @@
     </p:spTree>
     <p:extLst>
       <p:ext uri="{BB962C8B-B14F-4D97-AF65-F5344CB8AC3E}">
-        <p14:creationId xmlns:p14="http://schemas.microsoft.com/office/powerpoint/2010/main" val="473949438"/>
+        <p14:creationId xmlns:p14="http://schemas.microsoft.com/office/powerpoint/2010/main" val="1810336130"/>
       </p:ext>
     </p:extLst>
   </p:cSld>
@@ -5156,26 +4862,9 @@
           <a:bodyPr/>
           <a:lstStyle/>
           <a:p>
-            <a:pPr marL="0" marR="0" indent="0" algn="l" defTabSz="1020763" rtl="0" eaLnBrk="0" fontAlgn="base" latinLnBrk="0" hangingPunct="0">
-              <a:lnSpc>
-                <a:spcPct val="90000"/>
-              </a:lnSpc>
-              <a:spcBef>
-                <a:spcPct val="50000"/>
-              </a:spcBef>
-              <a:spcAft>
-                <a:spcPct val="0"/>
-              </a:spcAft>
-              <a:buClrTx/>
-              <a:buSzPct val="100000"/>
-              <a:buFontTx/>
-              <a:buNone/>
-              <a:tabLst/>
-              <a:defRPr/>
-            </a:pPr>
             <a:r>
               <a:rPr lang="es-ES"/>
-              <a:t>2.1.2.3 Ruta estática predeterminada</a:t>
+              <a:t>2.1.2.4 Ruta estática resumida</a:t>
             </a:r>
           </a:p>
           <a:p>
@@ -5189,7 +4878,7 @@
     </p:spTree>
     <p:extLst>
       <p:ext uri="{BB962C8B-B14F-4D97-AF65-F5344CB8AC3E}">
-        <p14:creationId xmlns:p14="http://schemas.microsoft.com/office/powerpoint/2010/main" val="1810336130"/>
+        <p14:creationId xmlns:p14="http://schemas.microsoft.com/office/powerpoint/2010/main" val="1738472148"/>
       </p:ext>
     </p:extLst>
   </p:cSld>
@@ -5434,7 +5123,7 @@
           <a:p>
             <a:r>
               <a:rPr lang="es-ES"/>
-              <a:t>2.1.2.4 Ruta estática resumida</a:t>
+              <a:t>2.1.2.5 Ruta estática flotante</a:t>
             </a:r>
           </a:p>
           <a:p>
@@ -5448,7 +5137,7 @@
     </p:spTree>
     <p:extLst>
       <p:ext uri="{BB962C8B-B14F-4D97-AF65-F5344CB8AC3E}">
-        <p14:creationId xmlns:p14="http://schemas.microsoft.com/office/powerpoint/2010/main" val="1738472148"/>
+        <p14:creationId xmlns:p14="http://schemas.microsoft.com/office/powerpoint/2010/main" val="3328955226"/>
       </p:ext>
     </p:extLst>
   </p:cSld>
@@ -5477,7 +5166,7 @@
       </p:grpSpPr>
       <p:sp>
         <p:nvSpPr>
-          <p:cNvPr id="22529" name="Rectangle 11"/>
+          <p:cNvPr id="31746" name="Rectangle 11"/>
           <p:cNvSpPr>
             <a:spLocks noGrp="1" noChangeArrowheads="1"/>
           </p:cNvSpPr>
@@ -5487,162 +5176,23 @@
         </p:nvSpPr>
         <p:spPr>
           <a:noFill/>
-          <a:ln/>
-          <a:extLst>
-            <a:ext uri="{909E8E84-426E-40DD-AFC4-6F175D3DCCD1}">
-              <a14:hiddenFill xmlns:a14="http://schemas.microsoft.com/office/drawing/2010/main">
-                <a:solidFill>
-                  <a:srgbClr val="FFFFFF"/>
-                </a:solidFill>
-              </a14:hiddenFill>
-            </a:ext>
-            <a:ext uri="{91240B29-F687-4F45-9708-019B960494DF}">
-              <a14:hiddenLine xmlns:a14="http://schemas.microsoft.com/office/drawing/2010/main" w="9525">
-                <a:solidFill>
-                  <a:srgbClr val="000000"/>
-                </a:solidFill>
-                <a:miter lim="800000"/>
-                <a:headEnd/>
-                <a:tailEnd/>
-              </a14:hiddenLine>
-            </a:ext>
-          </a:extLst>
         </p:spPr>
         <p:txBody>
           <a:bodyPr/>
-          <a:lstStyle>
-            <a:lvl1pPr defTabSz="903288">
-              <a:defRPr sz="2400">
-                <a:solidFill>
-                  <a:schemeClr val="tx1"/>
-                </a:solidFill>
-                <a:latin typeface="Arial" charset="0"/>
-                <a:ea typeface="ＭＳ Ｐゴシック" charset="0"/>
-                <a:cs typeface="ＭＳ Ｐゴシック" charset="0"/>
-              </a:defRPr>
-            </a:lvl1pPr>
-            <a:lvl2pPr marL="742950" indent="-285750" defTabSz="903288">
-              <a:defRPr sz="2400">
-                <a:solidFill>
-                  <a:schemeClr val="tx1"/>
-                </a:solidFill>
-                <a:latin typeface="Arial" charset="0"/>
-                <a:ea typeface="ＭＳ Ｐゴシック" charset="0"/>
-              </a:defRPr>
-            </a:lvl2pPr>
-            <a:lvl3pPr marL="1143000" indent="-228600" defTabSz="903288">
-              <a:defRPr sz="2400">
-                <a:solidFill>
-                  <a:schemeClr val="tx1"/>
-                </a:solidFill>
-                <a:latin typeface="Arial" charset="0"/>
-                <a:ea typeface="ＭＳ Ｐゴシック" charset="0"/>
-              </a:defRPr>
-            </a:lvl3pPr>
-            <a:lvl4pPr marL="1600200" indent="-228600" defTabSz="903288">
-              <a:defRPr sz="2400">
-                <a:solidFill>
-                  <a:schemeClr val="tx1"/>
-                </a:solidFill>
-                <a:latin typeface="Arial" charset="0"/>
-                <a:ea typeface="ＭＳ Ｐゴシック" charset="0"/>
-              </a:defRPr>
-            </a:lvl4pPr>
-            <a:lvl5pPr marL="2057400" indent="-228600" defTabSz="903288">
-              <a:defRPr sz="2400">
-                <a:solidFill>
-                  <a:schemeClr val="tx1"/>
-                </a:solidFill>
-                <a:latin typeface="Arial" charset="0"/>
-                <a:ea typeface="ＭＳ Ｐゴシック" charset="0"/>
-              </a:defRPr>
-            </a:lvl5pPr>
-            <a:lvl6pPr marL="2514600" indent="-228600" algn="ctr" defTabSz="903288" eaLnBrk="0" fontAlgn="base" hangingPunct="0">
-              <a:lnSpc>
-                <a:spcPct val="90000"/>
-              </a:lnSpc>
-              <a:spcBef>
-                <a:spcPct val="0"/>
-              </a:spcBef>
-              <a:spcAft>
-                <a:spcPct val="0"/>
-              </a:spcAft>
-              <a:defRPr sz="2400">
-                <a:solidFill>
-                  <a:schemeClr val="tx1"/>
-                </a:solidFill>
-                <a:latin typeface="Arial" charset="0"/>
-                <a:ea typeface="ＭＳ Ｐゴシック" charset="0"/>
-              </a:defRPr>
-            </a:lvl6pPr>
-            <a:lvl7pPr marL="2971800" indent="-228600" algn="ctr" defTabSz="903288" eaLnBrk="0" fontAlgn="base" hangingPunct="0">
-              <a:lnSpc>
-                <a:spcPct val="90000"/>
-              </a:lnSpc>
-              <a:spcBef>
-                <a:spcPct val="0"/>
-              </a:spcBef>
-              <a:spcAft>
-                <a:spcPct val="0"/>
-              </a:spcAft>
-              <a:defRPr sz="2400">
-                <a:solidFill>
-                  <a:schemeClr val="tx1"/>
-                </a:solidFill>
-                <a:latin typeface="Arial" charset="0"/>
-                <a:ea typeface="ＭＳ Ｐゴシック" charset="0"/>
-              </a:defRPr>
-            </a:lvl7pPr>
-            <a:lvl8pPr marL="3429000" indent="-228600" algn="ctr" defTabSz="903288" eaLnBrk="0" fontAlgn="base" hangingPunct="0">
-              <a:lnSpc>
-                <a:spcPct val="90000"/>
-              </a:lnSpc>
-              <a:spcBef>
-                <a:spcPct val="0"/>
-              </a:spcBef>
-              <a:spcAft>
-                <a:spcPct val="0"/>
-              </a:spcAft>
-              <a:defRPr sz="2400">
-                <a:solidFill>
-                  <a:schemeClr val="tx1"/>
-                </a:solidFill>
-                <a:latin typeface="Arial" charset="0"/>
-                <a:ea typeface="ＭＳ Ｐゴシック" charset="0"/>
-              </a:defRPr>
-            </a:lvl8pPr>
-            <a:lvl9pPr marL="3886200" indent="-228600" algn="ctr" defTabSz="903288" eaLnBrk="0" fontAlgn="base" hangingPunct="0">
-              <a:lnSpc>
-                <a:spcPct val="90000"/>
-              </a:lnSpc>
-              <a:spcBef>
-                <a:spcPct val="0"/>
-              </a:spcBef>
-              <a:spcAft>
-                <a:spcPct val="0"/>
-              </a:spcAft>
-              <a:defRPr sz="2400">
-                <a:solidFill>
-                  <a:schemeClr val="tx1"/>
-                </a:solidFill>
-                <a:latin typeface="Arial" charset="0"/>
-                <a:ea typeface="ＭＳ Ｐゴシック" charset="0"/>
-              </a:defRPr>
-            </a:lvl9pPr>
-          </a:lstStyle>
-          <a:p>
-            <a:fld id="{3997A419-355F-A04A-96E0-21643AF8E9FF}" type="slidenum">
-              <a:rPr lang="en-US" sz="800"/>
+          <a:lstStyle/>
+          <a:p>
+            <a:fld id="{F602A389-8690-465F-BB28-DC61C90E42E7}" type="slidenum">
+              <a:rPr lang="en-US" smtClean="0"/>
               <a:pPr/>
               <a:t>8</a:t>
             </a:fld>
-            <a:endParaRPr lang="es-ES" sz="800"/>
+            <a:endParaRPr lang="es-ES" dirty="0"/>
           </a:p>
         </p:txBody>
       </p:sp>
       <p:sp>
         <p:nvSpPr>
-          <p:cNvPr id="22530" name="Rectangle 2"/>
+          <p:cNvPr id="31747" name="Rectangle 2"/>
           <p:cNvSpPr>
             <a:spLocks noGrp="1" noRot="1" noChangeAspect="1" noChangeArrowheads="1" noTextEdit="1"/>
           </p:cNvSpPr>
@@ -5656,7 +5206,7 @@
       </p:sp>
       <p:sp>
         <p:nvSpPr>
-          <p:cNvPr id="22531" name="Rectangle 3"/>
+          <p:cNvPr id="31748" name="Rectangle 3"/>
           <p:cNvSpPr>
             <a:spLocks noGrp="1" noChangeArrowheads="1"/>
           </p:cNvSpPr>
@@ -5665,49 +5215,53 @@
           </p:nvPr>
         </p:nvSpPr>
         <p:spPr>
+          <a:xfrm>
+            <a:off x="404813" y="4378325"/>
+            <a:ext cx="6121400" cy="4252913"/>
+          </a:xfrm>
           <a:noFill/>
           <a:ln/>
-          <a:extLst>
-            <a:ext uri="{909E8E84-426E-40DD-AFC4-6F175D3DCCD1}">
-              <a14:hiddenFill xmlns:a14="http://schemas.microsoft.com/office/drawing/2010/main">
-                <a:solidFill>
-                  <a:srgbClr val="FFFFFF"/>
-                </a:solidFill>
-              </a14:hiddenFill>
-            </a:ext>
-            <a:ext uri="{91240B29-F687-4F45-9708-019B960494DF}">
-              <a14:hiddenLine xmlns:a14="http://schemas.microsoft.com/office/drawing/2010/main" w="9525">
-                <a:solidFill>
-                  <a:srgbClr val="000000"/>
-                </a:solidFill>
-                <a:miter lim="800000"/>
-                <a:headEnd/>
-                <a:tailEnd/>
-              </a14:hiddenLine>
-            </a:ext>
-          </a:extLst>
         </p:spPr>
         <p:txBody>
           <a:bodyPr/>
           <a:lstStyle/>
           <a:p>
-            <a:r>
-              <a:rPr lang="es-ES"/>
-              <a:t>2.1.2.5 Ruta estática flotante</a:t>
-            </a:r>
-          </a:p>
-          <a:p>
-            <a:pPr marL="0" indent="0">
+            <a:pPr>
+              <a:buFontTx/>
               <a:buNone/>
             </a:pPr>
-            <a:endParaRPr lang="es-ES" dirty="0"/>
+            <a:r>
+              <a:rPr lang="es-ES" b="0" dirty="0"/>
+              <a:t>Cisco Networking Academy Program</a:t>
+            </a:r>
+          </a:p>
+          <a:p>
+            <a:pPr>
+              <a:buFontTx/>
+              <a:buNone/>
+            </a:pPr>
+            <a:r>
+              <a:rPr lang="es-ES" b="0" dirty="0"/>
+              <a:t>Routing and Switching Essentials v6.0</a:t>
+            </a:r>
+          </a:p>
+          <a:p>
+            <a:pPr>
+              <a:buFontTx/>
+              <a:buNone/>
+            </a:pPr>
+            <a:r>
+              <a:rPr lang="es-ES" sz="1200" b="0" dirty="0"/>
+              <a:t>Capítulo 2: Routing estático</a:t>
+            </a:r>
+            <a:endParaRPr lang="es-ES" b="0" dirty="0"/>
           </a:p>
         </p:txBody>
       </p:sp>
     </p:spTree>
     <p:extLst>
       <p:ext uri="{BB962C8B-B14F-4D97-AF65-F5344CB8AC3E}">
-        <p14:creationId xmlns:p14="http://schemas.microsoft.com/office/powerpoint/2010/main" val="3328955226"/>
+        <p14:creationId xmlns:p14="http://schemas.microsoft.com/office/powerpoint/2010/main" val="2196270546"/>
       </p:ext>
     </p:extLst>
   </p:cSld>
@@ -5736,7 +5290,7 @@
       </p:grpSpPr>
       <p:sp>
         <p:nvSpPr>
-          <p:cNvPr id="31746" name="Rectangle 11"/>
+          <p:cNvPr id="22529" name="Rectangle 11"/>
           <p:cNvSpPr>
             <a:spLocks noGrp="1" noChangeArrowheads="1"/>
           </p:cNvSpPr>
@@ -5746,23 +5300,162 @@
         </p:nvSpPr>
         <p:spPr>
           <a:noFill/>
+          <a:ln/>
+          <a:extLst>
+            <a:ext uri="{909E8E84-426E-40DD-AFC4-6F175D3DCCD1}">
+              <a14:hiddenFill xmlns:a14="http://schemas.microsoft.com/office/drawing/2010/main">
+                <a:solidFill>
+                  <a:srgbClr val="FFFFFF"/>
+                </a:solidFill>
+              </a14:hiddenFill>
+            </a:ext>
+            <a:ext uri="{91240B29-F687-4F45-9708-019B960494DF}">
+              <a14:hiddenLine xmlns:a14="http://schemas.microsoft.com/office/drawing/2010/main" w="9525">
+                <a:solidFill>
+                  <a:srgbClr val="000000"/>
+                </a:solidFill>
+                <a:miter lim="800000"/>
+                <a:headEnd/>
+                <a:tailEnd/>
+              </a14:hiddenLine>
+            </a:ext>
+          </a:extLst>
         </p:spPr>
         <p:txBody>
           <a:bodyPr/>
-          <a:lstStyle/>
-          <a:p>
-            <a:fld id="{F602A389-8690-465F-BB28-DC61C90E42E7}" type="slidenum">
-              <a:rPr lang="en-US" smtClean="0"/>
+          <a:lstStyle>
+            <a:lvl1pPr defTabSz="903288">
+              <a:defRPr sz="2400">
+                <a:solidFill>
+                  <a:schemeClr val="tx1"/>
+                </a:solidFill>
+                <a:latin typeface="Arial" charset="0"/>
+                <a:ea typeface="ＭＳ Ｐゴシック" charset="0"/>
+                <a:cs typeface="ＭＳ Ｐゴシック" charset="0"/>
+              </a:defRPr>
+            </a:lvl1pPr>
+            <a:lvl2pPr marL="742950" indent="-285750" defTabSz="903288">
+              <a:defRPr sz="2400">
+                <a:solidFill>
+                  <a:schemeClr val="tx1"/>
+                </a:solidFill>
+                <a:latin typeface="Arial" charset="0"/>
+                <a:ea typeface="ＭＳ Ｐゴシック" charset="0"/>
+              </a:defRPr>
+            </a:lvl2pPr>
+            <a:lvl3pPr marL="1143000" indent="-228600" defTabSz="903288">
+              <a:defRPr sz="2400">
+                <a:solidFill>
+                  <a:schemeClr val="tx1"/>
+                </a:solidFill>
+                <a:latin typeface="Arial" charset="0"/>
+                <a:ea typeface="ＭＳ Ｐゴシック" charset="0"/>
+              </a:defRPr>
+            </a:lvl3pPr>
+            <a:lvl4pPr marL="1600200" indent="-228600" defTabSz="903288">
+              <a:defRPr sz="2400">
+                <a:solidFill>
+                  <a:schemeClr val="tx1"/>
+                </a:solidFill>
+                <a:latin typeface="Arial" charset="0"/>
+                <a:ea typeface="ＭＳ Ｐゴシック" charset="0"/>
+              </a:defRPr>
+            </a:lvl4pPr>
+            <a:lvl5pPr marL="2057400" indent="-228600" defTabSz="903288">
+              <a:defRPr sz="2400">
+                <a:solidFill>
+                  <a:schemeClr val="tx1"/>
+                </a:solidFill>
+                <a:latin typeface="Arial" charset="0"/>
+                <a:ea typeface="ＭＳ Ｐゴシック" charset="0"/>
+              </a:defRPr>
+            </a:lvl5pPr>
+            <a:lvl6pPr marL="2514600" indent="-228600" algn="ctr" defTabSz="903288" eaLnBrk="0" fontAlgn="base" hangingPunct="0">
+              <a:lnSpc>
+                <a:spcPct val="90000"/>
+              </a:lnSpc>
+              <a:spcBef>
+                <a:spcPct val="0"/>
+              </a:spcBef>
+              <a:spcAft>
+                <a:spcPct val="0"/>
+              </a:spcAft>
+              <a:defRPr sz="2400">
+                <a:solidFill>
+                  <a:schemeClr val="tx1"/>
+                </a:solidFill>
+                <a:latin typeface="Arial" charset="0"/>
+                <a:ea typeface="ＭＳ Ｐゴシック" charset="0"/>
+              </a:defRPr>
+            </a:lvl6pPr>
+            <a:lvl7pPr marL="2971800" indent="-228600" algn="ctr" defTabSz="903288" eaLnBrk="0" fontAlgn="base" hangingPunct="0">
+              <a:lnSpc>
+                <a:spcPct val="90000"/>
+              </a:lnSpc>
+              <a:spcBef>
+                <a:spcPct val="0"/>
+              </a:spcBef>
+              <a:spcAft>
+                <a:spcPct val="0"/>
+              </a:spcAft>
+              <a:defRPr sz="2400">
+                <a:solidFill>
+                  <a:schemeClr val="tx1"/>
+                </a:solidFill>
+                <a:latin typeface="Arial" charset="0"/>
+                <a:ea typeface="ＭＳ Ｐゴシック" charset="0"/>
+              </a:defRPr>
+            </a:lvl7pPr>
+            <a:lvl8pPr marL="3429000" indent="-228600" algn="ctr" defTabSz="903288" eaLnBrk="0" fontAlgn="base" hangingPunct="0">
+              <a:lnSpc>
+                <a:spcPct val="90000"/>
+              </a:lnSpc>
+              <a:spcBef>
+                <a:spcPct val="0"/>
+              </a:spcBef>
+              <a:spcAft>
+                <a:spcPct val="0"/>
+              </a:spcAft>
+              <a:defRPr sz="2400">
+                <a:solidFill>
+                  <a:schemeClr val="tx1"/>
+                </a:solidFill>
+                <a:latin typeface="Arial" charset="0"/>
+                <a:ea typeface="ＭＳ Ｐゴシック" charset="0"/>
+              </a:defRPr>
+            </a:lvl8pPr>
+            <a:lvl9pPr marL="3886200" indent="-228600" algn="ctr" defTabSz="903288" eaLnBrk="0" fontAlgn="base" hangingPunct="0">
+              <a:lnSpc>
+                <a:spcPct val="90000"/>
+              </a:lnSpc>
+              <a:spcBef>
+                <a:spcPct val="0"/>
+              </a:spcBef>
+              <a:spcAft>
+                <a:spcPct val="0"/>
+              </a:spcAft>
+              <a:defRPr sz="2400">
+                <a:solidFill>
+                  <a:schemeClr val="tx1"/>
+                </a:solidFill>
+                <a:latin typeface="Arial" charset="0"/>
+                <a:ea typeface="ＭＳ Ｐゴシック" charset="0"/>
+              </a:defRPr>
+            </a:lvl9pPr>
+          </a:lstStyle>
+          <a:p>
+            <a:fld id="{3997A419-355F-A04A-96E0-21643AF8E9FF}" type="slidenum">
+              <a:rPr lang="en-US" sz="800"/>
               <a:pPr/>
               <a:t>9</a:t>
             </a:fld>
-            <a:endParaRPr lang="es-ES" dirty="0"/>
+            <a:endParaRPr lang="es-ES" sz="800"/>
           </a:p>
         </p:txBody>
       </p:sp>
       <p:sp>
         <p:nvSpPr>
-          <p:cNvPr id="31747" name="Rectangle 2"/>
+          <p:cNvPr id="22530" name="Rectangle 2"/>
           <p:cNvSpPr>
             <a:spLocks noGrp="1" noRot="1" noChangeAspect="1" noChangeArrowheads="1" noTextEdit="1"/>
           </p:cNvSpPr>
@@ -5776,7 +5469,7 @@
       </p:sp>
       <p:sp>
         <p:nvSpPr>
-          <p:cNvPr id="31748" name="Rectangle 3"/>
+          <p:cNvPr id="22531" name="Rectangle 3"/>
           <p:cNvSpPr>
             <a:spLocks noGrp="1" noChangeArrowheads="1"/>
           </p:cNvSpPr>
@@ -5785,53 +5478,66 @@
           </p:nvPr>
         </p:nvSpPr>
         <p:spPr>
-          <a:xfrm>
-            <a:off x="404813" y="4378325"/>
-            <a:ext cx="6121400" cy="4252913"/>
-          </a:xfrm>
           <a:noFill/>
           <a:ln/>
+          <a:extLst>
+            <a:ext uri="{909E8E84-426E-40DD-AFC4-6F175D3DCCD1}">
+              <a14:hiddenFill xmlns:a14="http://schemas.microsoft.com/office/drawing/2010/main">
+                <a:solidFill>
+                  <a:srgbClr val="FFFFFF"/>
+                </a:solidFill>
+              </a14:hiddenFill>
+            </a:ext>
+            <a:ext uri="{91240B29-F687-4F45-9708-019B960494DF}">
+              <a14:hiddenLine xmlns:a14="http://schemas.microsoft.com/office/drawing/2010/main" w="9525">
+                <a:solidFill>
+                  <a:srgbClr val="000000"/>
+                </a:solidFill>
+                <a:miter lim="800000"/>
+                <a:headEnd/>
+                <a:tailEnd/>
+              </a14:hiddenLine>
+            </a:ext>
+          </a:extLst>
         </p:spPr>
         <p:txBody>
           <a:bodyPr/>
           <a:lstStyle/>
           <a:p>
-            <a:pPr>
-              <a:buFontTx/>
+            <a:pPr marL="0" indent="0">
               <a:buNone/>
             </a:pPr>
             <a:r>
-              <a:rPr lang="es-ES" b="0" dirty="0"/>
-              <a:t>Cisco Networking Academy Program</a:t>
-            </a:r>
-          </a:p>
-          <a:p>
-            <a:pPr>
-              <a:buFontTx/>
+              <a:rPr lang="es-ES" b="0" dirty="0">
+                <a:latin typeface="Arial" charset="0"/>
+              </a:rPr>
+              <a:t>2.2 Configurar rutas estáticas y predeterminadas</a:t>
+            </a:r>
+          </a:p>
+          <a:p>
+            <a:pPr marL="0" indent="0">
               <a:buNone/>
             </a:pPr>
             <a:r>
-              <a:rPr lang="es-ES" b="0" dirty="0"/>
-              <a:t>Routing and Switching Essentials v6.0</a:t>
-            </a:r>
-          </a:p>
-          <a:p>
-            <a:pPr>
-              <a:buFontTx/>
+              <a:rPr lang="es-ES" b="0" baseline="0" dirty="0">
+                <a:latin typeface="Arial" charset="0"/>
+              </a:rPr>
+              <a:t>2.2.1.1 Comando ip route</a:t>
+            </a:r>
+            <a:endParaRPr lang="es-ES" b="0" dirty="0"/>
+          </a:p>
+          <a:p>
+            <a:pPr marL="0" indent="0">
               <a:buNone/>
             </a:pPr>
-            <a:r>
-              <a:rPr lang="es-ES" sz="1200" b="0" dirty="0"/>
-              <a:t>Capítulo 2: Routing estático</a:t>
-            </a:r>
-            <a:endParaRPr lang="es-ES" b="0" dirty="0"/>
+            <a:endParaRPr lang="es-ES" dirty="0"/>
           </a:p>
         </p:txBody>
       </p:sp>
     </p:spTree>
     <p:extLst>
       <p:ext uri="{BB962C8B-B14F-4D97-AF65-F5344CB8AC3E}">
-        <p14:creationId xmlns:p14="http://schemas.microsoft.com/office/powerpoint/2010/main" val="2196270546"/>
+        <p14:creationId xmlns:p14="http://schemas.microsoft.com/office/powerpoint/2010/main" val="3344426893"/>
       </p:ext>
     </p:extLst>
   </p:cSld>
@@ -10091,7 +9797,7 @@
               </a14:hiddenLine>
             </a:ext>
             <a:ext uri="{FAA26D3D-D897-4be2-8F04-BA451C77F1D7}">
-              <ma14:placeholderFlag xmlns:ma14="http://schemas.microsoft.com/office/mac/drawingml/2011/main" xmlns:mc="http://schemas.openxmlformats.org/markup-compatibility/2006" xmlns:a14="http://schemas.microsoft.com/office/drawing/2010/main" xmlns:c="http://schemas.openxmlformats.org/drawingml/2006/chart" xmlns:dgm="http://schemas.openxmlformats.org/drawingml/2006/diagram" xmlns:cdr="http://schemas.openxmlformats.org/drawingml/2006/chartDrawing" xmlns:wne="http://schemas.microsoft.com/office/powerpoint/2006/powerpointml" xmlns:wp="http://schemas.openxmlformats.org/drawingml/2006/powerpointprocessingDrawing" xmlns:v="urn:schemas-microsoft-com:vml" xmlns:o="urn:schemas-microsoft-com:office:office" xmlns="" val="1"/>
+              <ma14:placeholderFlag xmlns="" xmlns:o="urn:schemas-microsoft-com:office:office" xmlns:v="urn:schemas-microsoft-com:vml" xmlns:wp="http://schemas.openxmlformats.org/drawingml/2006/powerpointprocessingDrawing" xmlns:wne="http://schemas.microsoft.com/office/powerpoint/2006/powerpointml" xmlns:cdr="http://schemas.openxmlformats.org/drawingml/2006/chartDrawing" xmlns:dgm="http://schemas.openxmlformats.org/drawingml/2006/diagram" xmlns:c="http://schemas.openxmlformats.org/drawingml/2006/chart" xmlns:a14="http://schemas.microsoft.com/office/drawing/2010/main" xmlns:mc="http://schemas.openxmlformats.org/markup-compatibility/2006" xmlns:ma14="http://schemas.microsoft.com/office/mac/drawingml/2011/main" val="1"/>
             </a:ext>
           </a:extLst>
         </p:spPr>
@@ -10301,7 +10007,7 @@
               </a14:hiddenLine>
             </a:ext>
             <a:ext uri="{FAA26D3D-D897-4be2-8F04-BA451C77F1D7}">
-              <ma14:placeholderFlag xmlns:ma14="http://schemas.microsoft.com/office/mac/drawingml/2011/main" xmlns:mc="http://schemas.openxmlformats.org/markup-compatibility/2006" xmlns:a14="http://schemas.microsoft.com/office/drawing/2010/main" xmlns:c="http://schemas.openxmlformats.org/drawingml/2006/chart" xmlns:dgm="http://schemas.openxmlformats.org/drawingml/2006/diagram" xmlns:cdr="http://schemas.openxmlformats.org/drawingml/2006/chartDrawing" xmlns:wne="http://schemas.microsoft.com/office/powerpoint/2006/powerpointml" xmlns:wp="http://schemas.openxmlformats.org/drawingml/2006/powerpointprocessingDrawing" xmlns:v="urn:schemas-microsoft-com:vml" xmlns:o="urn:schemas-microsoft-com:office:office" xmlns="" val="1"/>
+              <ma14:placeholderFlag xmlns="" xmlns:o="urn:schemas-microsoft-com:office:office" xmlns:v="urn:schemas-microsoft-com:vml" xmlns:wp="http://schemas.openxmlformats.org/drawingml/2006/powerpointprocessingDrawing" xmlns:wne="http://schemas.microsoft.com/office/powerpoint/2006/powerpointml" xmlns:cdr="http://schemas.openxmlformats.org/drawingml/2006/chartDrawing" xmlns:dgm="http://schemas.openxmlformats.org/drawingml/2006/diagram" xmlns:c="http://schemas.openxmlformats.org/drawingml/2006/chart" xmlns:a14="http://schemas.microsoft.com/office/drawing/2010/main" xmlns:mc="http://schemas.openxmlformats.org/markup-compatibility/2006" xmlns:ma14="http://schemas.microsoft.com/office/mac/drawingml/2011/main" val="1"/>
             </a:ext>
           </a:extLst>
         </p:spPr>
@@ -11065,7 +10771,7 @@
               </a14:hiddenLine>
             </a:ext>
             <a:ext uri="{FAA26D3D-D897-4be2-8F04-BA451C77F1D7}">
-              <ma14:placeholderFlag xmlns:ma14="http://schemas.microsoft.com/office/mac/drawingml/2011/main" xmlns:mc="http://schemas.openxmlformats.org/markup-compatibility/2006" xmlns:a14="http://schemas.microsoft.com/office/drawing/2010/main" xmlns:c="http://schemas.openxmlformats.org/drawingml/2006/chart" xmlns:dgm="http://schemas.openxmlformats.org/drawingml/2006/diagram" xmlns:cdr="http://schemas.openxmlformats.org/drawingml/2006/chartDrawing" xmlns:wne="http://schemas.microsoft.com/office/powerpoint/2006/powerpointml" xmlns:wp="http://schemas.openxmlformats.org/drawingml/2006/powerpointprocessingDrawing" xmlns:v="urn:schemas-microsoft-com:vml" xmlns:o="urn:schemas-microsoft-com:office:office" xmlns="" val="1"/>
+              <ma14:placeholderFlag xmlns="" xmlns:o="urn:schemas-microsoft-com:office:office" xmlns:v="urn:schemas-microsoft-com:vml" xmlns:wp="http://schemas.openxmlformats.org/drawingml/2006/powerpointprocessingDrawing" xmlns:wne="http://schemas.microsoft.com/office/powerpoint/2006/powerpointml" xmlns:cdr="http://schemas.openxmlformats.org/drawingml/2006/chartDrawing" xmlns:dgm="http://schemas.openxmlformats.org/drawingml/2006/diagram" xmlns:c="http://schemas.openxmlformats.org/drawingml/2006/chart" xmlns:a14="http://schemas.microsoft.com/office/drawing/2010/main" xmlns:mc="http://schemas.openxmlformats.org/markup-compatibility/2006" xmlns:ma14="http://schemas.microsoft.com/office/mac/drawingml/2011/main" val="1"/>
             </a:ext>
           </a:extLst>
         </p:spPr>
@@ -11260,7 +10966,7 @@
               </a14:hiddenLine>
             </a:ext>
             <a:ext uri="{FAA26D3D-D897-4be2-8F04-BA451C77F1D7}">
-              <ma14:placeholderFlag xmlns:ma14="http://schemas.microsoft.com/office/mac/drawingml/2011/main" xmlns:mc="http://schemas.openxmlformats.org/markup-compatibility/2006" xmlns:a14="http://schemas.microsoft.com/office/drawing/2010/main" xmlns:c="http://schemas.openxmlformats.org/drawingml/2006/chart" xmlns:dgm="http://schemas.openxmlformats.org/drawingml/2006/diagram" xmlns:cdr="http://schemas.openxmlformats.org/drawingml/2006/chartDrawing" xmlns:wne="http://schemas.microsoft.com/office/powerpoint/2006/powerpointml" xmlns:wp="http://schemas.openxmlformats.org/drawingml/2006/powerpointprocessingDrawing" xmlns:v="urn:schemas-microsoft-com:vml" xmlns:o="urn:schemas-microsoft-com:office:office" xmlns="" val="1"/>
+              <ma14:placeholderFlag xmlns="" xmlns:o="urn:schemas-microsoft-com:office:office" xmlns:v="urn:schemas-microsoft-com:vml" xmlns:wp="http://schemas.openxmlformats.org/drawingml/2006/powerpointprocessingDrawing" xmlns:wne="http://schemas.microsoft.com/office/powerpoint/2006/powerpointml" xmlns:cdr="http://schemas.openxmlformats.org/drawingml/2006/chartDrawing" xmlns:dgm="http://schemas.openxmlformats.org/drawingml/2006/diagram" xmlns:c="http://schemas.openxmlformats.org/drawingml/2006/chart" xmlns:a14="http://schemas.microsoft.com/office/drawing/2010/main" xmlns:mc="http://schemas.openxmlformats.org/markup-compatibility/2006" xmlns:ma14="http://schemas.microsoft.com/office/mac/drawingml/2011/main" val="1"/>
             </a:ext>
           </a:extLst>
         </p:spPr>
@@ -12050,7 +11756,7 @@
         </p:nvSpPr>
         <p:spPr>
           <a:xfrm>
-            <a:off x="193866" y="394392"/>
+            <a:off x="276998" y="296420"/>
             <a:ext cx="8772157" cy="838200"/>
           </a:xfrm>
         </p:spPr>
@@ -12058,54 +11764,335 @@
           <a:bodyPr/>
           <a:lstStyle/>
           <a:p>
-            <a:pPr algn="ctr"/>
             <a:r>
               <a:rPr lang="es-ES" dirty="0"/>
-              <a:t>Comando </a:t>
-            </a:r>
-            <a:r>
-              <a:rPr lang="es-ES" dirty="0">
-                <a:latin typeface="Courier New" panose="02070309020205020404" pitchFamily="49" charset="0"/>
-              </a:rPr>
-              <a:t>ip route</a:t>
+              <a:t>Opciones de siguiente salto (Next-Hop)</a:t>
             </a:r>
           </a:p>
         </p:txBody>
       </p:sp>
-      <p:pic>
-        <p:nvPicPr>
-          <p:cNvPr id="4" name="Picture 3"/>
-          <p:cNvPicPr>
-            <a:picLocks noChangeAspect="1"/>
-          </p:cNvPicPr>
+      <p:sp>
+        <p:nvSpPr>
+          <p:cNvPr id="3" name="Rectangle 2"/>
+          <p:cNvSpPr/>
           <p:nvPr/>
-        </p:nvPicPr>
-        <p:blipFill>
-          <a:blip r:embed="rId3" cstate="email">
-            <a:extLst>
-              <a:ext uri="{28A0092B-C50C-407E-A947-70E740481C1C}">
-                <a14:useLocalDpi xmlns:a14="http://schemas.microsoft.com/office/drawing/2010/main" val="0"/>
-              </a:ext>
-            </a:extLst>
-          </a:blip>
-          <a:stretch>
-            <a:fillRect/>
-          </a:stretch>
-        </p:blipFill>
+        </p:nvSpPr>
         <p:spPr>
           <a:xfrm>
-            <a:off x="1272346" y="1343429"/>
-            <a:ext cx="6615199" cy="5195917"/>
+            <a:off x="276998" y="1385452"/>
+            <a:ext cx="8576057" cy="4508927"/>
           </a:xfrm>
           <a:prstGeom prst="rect">
             <a:avLst/>
           </a:prstGeom>
         </p:spPr>
-      </p:pic>
+        <p:txBody>
+          <a:bodyPr wrap="square">
+            <a:spAutoFit/>
+          </a:bodyPr>
+          <a:lstStyle/>
+          <a:p>
+            <a:pPr lvl="0" algn="l" defTabSz="814388">
+              <a:lnSpc>
+                <a:spcPct val="95000"/>
+              </a:lnSpc>
+              <a:spcBef>
+                <a:spcPct val="50000"/>
+              </a:spcBef>
+              <a:buClr>
+                <a:srgbClr val="708CA1"/>
+              </a:buClr>
+            </a:pPr>
+            <a:r>
+              <a:rPr lang="es-ES" sz="2000" kern="0" dirty="0">
+                <a:solidFill>
+                  <a:srgbClr val="000000"/>
+                </a:solidFill>
+                <a:latin typeface="Arial"/>
+              </a:rPr>
+              <a:t>El siguiente salto (</a:t>
+            </a:r>
+            <a:r>
+              <a:rPr lang="es-ES" sz="2000" b="1" kern="0" dirty="0" err="1">
+                <a:solidFill>
+                  <a:srgbClr val="000000"/>
+                </a:solidFill>
+                <a:latin typeface="Arial"/>
+              </a:rPr>
+              <a:t>next</a:t>
+            </a:r>
+            <a:r>
+              <a:rPr lang="es-ES" sz="2000" b="1" kern="0" dirty="0">
+                <a:solidFill>
+                  <a:srgbClr val="000000"/>
+                </a:solidFill>
+                <a:latin typeface="Arial"/>
+              </a:rPr>
+              <a:t>-hop</a:t>
+            </a:r>
+            <a:r>
+              <a:rPr lang="es-ES" sz="2000" kern="0" dirty="0">
+                <a:solidFill>
+                  <a:srgbClr val="000000"/>
+                </a:solidFill>
+                <a:latin typeface="Arial"/>
+              </a:rPr>
+              <a:t>) se puede identificar mediante una dirección IP, una interfaz de salida, o ambas. El modo en que se especifica el destino genera uno de los siguientes tres tipos de ruta:</a:t>
+            </a:r>
+          </a:p>
+          <a:p>
+            <a:pPr marL="236538" lvl="0" indent="-236538" algn="l" defTabSz="814388">
+              <a:lnSpc>
+                <a:spcPct val="95000"/>
+              </a:lnSpc>
+              <a:spcBef>
+                <a:spcPct val="50000"/>
+              </a:spcBef>
+              <a:buClr>
+                <a:srgbClr val="708CA1"/>
+              </a:buClr>
+              <a:buFont typeface="Wingdings" pitchFamily="2" charset="2"/>
+              <a:buChar char="§"/>
+            </a:pPr>
+            <a:r>
+              <a:rPr lang="es-ES" sz="2000" b="1" kern="0" dirty="0">
+                <a:solidFill>
+                  <a:srgbClr val="000000"/>
+                </a:solidFill>
+                <a:latin typeface="Arial"/>
+              </a:rPr>
+              <a:t>Ruta estática del siguiente salto (</a:t>
+            </a:r>
+            <a:r>
+              <a:rPr lang="es-ES" sz="2000" b="1" kern="0" dirty="0" err="1">
+                <a:solidFill>
+                  <a:srgbClr val="000000"/>
+                </a:solidFill>
+                <a:latin typeface="Arial"/>
+              </a:rPr>
+              <a:t>next</a:t>
+            </a:r>
+            <a:r>
+              <a:rPr lang="es-ES" sz="2000" b="1" kern="0" dirty="0">
+                <a:solidFill>
+                  <a:srgbClr val="000000"/>
+                </a:solidFill>
+                <a:latin typeface="Arial"/>
+              </a:rPr>
+              <a:t>-hop </a:t>
+            </a:r>
+            <a:r>
+              <a:rPr lang="es-ES" sz="2000" b="1" kern="0" dirty="0" err="1">
+                <a:solidFill>
+                  <a:srgbClr val="000000"/>
+                </a:solidFill>
+                <a:latin typeface="Arial"/>
+              </a:rPr>
+              <a:t>route</a:t>
+            </a:r>
+            <a:r>
+              <a:rPr lang="es-ES" sz="2000" b="1" kern="0" dirty="0">
+                <a:solidFill>
+                  <a:srgbClr val="000000"/>
+                </a:solidFill>
+                <a:latin typeface="Arial"/>
+              </a:rPr>
+              <a:t>) o recursiva</a:t>
+            </a:r>
+            <a:r>
+              <a:rPr lang="es-ES" sz="2000" kern="0" dirty="0">
+                <a:solidFill>
+                  <a:srgbClr val="000000"/>
+                </a:solidFill>
+                <a:latin typeface="Arial"/>
+              </a:rPr>
+              <a:t>: solo se especifica la dirección IP del siguiente salto (</a:t>
+            </a:r>
+            <a:r>
+              <a:rPr lang="es-ES" sz="2000" kern="0" dirty="0" err="1">
+                <a:solidFill>
+                  <a:srgbClr val="000000"/>
+                </a:solidFill>
+                <a:latin typeface="Arial"/>
+              </a:rPr>
+              <a:t>next</a:t>
+            </a:r>
+            <a:r>
+              <a:rPr lang="es-ES" sz="2000" kern="0" dirty="0">
+                <a:solidFill>
+                  <a:srgbClr val="000000"/>
+                </a:solidFill>
+                <a:latin typeface="Arial"/>
+              </a:rPr>
+              <a:t>-hop).</a:t>
+            </a:r>
+          </a:p>
+          <a:p>
+            <a:pPr marL="236538" lvl="0" indent="-236538" algn="l" defTabSz="814388">
+              <a:lnSpc>
+                <a:spcPct val="95000"/>
+              </a:lnSpc>
+              <a:spcBef>
+                <a:spcPct val="50000"/>
+              </a:spcBef>
+              <a:buClr>
+                <a:srgbClr val="708CA1"/>
+              </a:buClr>
+              <a:buFont typeface="Wingdings" pitchFamily="2" charset="2"/>
+              <a:buChar char="§"/>
+            </a:pPr>
+            <a:r>
+              <a:rPr lang="es-ES" sz="2000" b="1" kern="0" dirty="0">
+                <a:solidFill>
+                  <a:srgbClr val="000000"/>
+                </a:solidFill>
+                <a:latin typeface="Arial"/>
+              </a:rPr>
+              <a:t>Ruta estática directamente conectada</a:t>
+            </a:r>
+            <a:r>
+              <a:rPr lang="es-ES" sz="2000" kern="0" dirty="0">
+                <a:solidFill>
+                  <a:srgbClr val="000000"/>
+                </a:solidFill>
+                <a:latin typeface="Arial"/>
+              </a:rPr>
+              <a:t>: solo se especifica la interfaz de salida del </a:t>
+            </a:r>
+            <a:r>
+              <a:rPr lang="es-ES" sz="2000" kern="0" dirty="0" err="1">
+                <a:solidFill>
+                  <a:srgbClr val="000000"/>
+                </a:solidFill>
+                <a:latin typeface="Arial"/>
+              </a:rPr>
+              <a:t>router</a:t>
+            </a:r>
+            <a:r>
+              <a:rPr lang="es-ES" sz="2000" kern="0" dirty="0">
+                <a:solidFill>
+                  <a:srgbClr val="000000"/>
+                </a:solidFill>
+                <a:latin typeface="Arial"/>
+              </a:rPr>
+              <a:t>. El id de la interface (s0/0/0 o g0/0).</a:t>
+            </a:r>
+          </a:p>
+          <a:p>
+            <a:pPr marL="236538" lvl="0" indent="-236538" algn="l" defTabSz="814388">
+              <a:lnSpc>
+                <a:spcPct val="95000"/>
+              </a:lnSpc>
+              <a:spcBef>
+                <a:spcPct val="50000"/>
+              </a:spcBef>
+              <a:buClr>
+                <a:srgbClr val="708CA1"/>
+              </a:buClr>
+              <a:buFont typeface="Wingdings" pitchFamily="2" charset="2"/>
+              <a:buChar char="§"/>
+            </a:pPr>
+            <a:r>
+              <a:rPr lang="es-ES" sz="2000" b="1" kern="0" dirty="0">
+                <a:solidFill>
+                  <a:srgbClr val="000000"/>
+                </a:solidFill>
+                <a:latin typeface="Arial"/>
+              </a:rPr>
+              <a:t>Ruta estática completamente conectada (full </a:t>
+            </a:r>
+            <a:r>
+              <a:rPr lang="es-ES" sz="2000" b="1" kern="0" dirty="0" err="1">
+                <a:solidFill>
+                  <a:srgbClr val="000000"/>
+                </a:solidFill>
+                <a:latin typeface="Arial"/>
+              </a:rPr>
+              <a:t>connected</a:t>
+            </a:r>
+            <a:r>
+              <a:rPr lang="es-ES" sz="2000" b="1" kern="0" dirty="0">
+                <a:solidFill>
+                  <a:srgbClr val="000000"/>
+                </a:solidFill>
+                <a:latin typeface="Arial"/>
+              </a:rPr>
+              <a:t>) </a:t>
+            </a:r>
+            <a:r>
+              <a:rPr lang="es-ES" sz="2000" kern="0" dirty="0">
+                <a:solidFill>
+                  <a:srgbClr val="000000"/>
+                </a:solidFill>
+                <a:latin typeface="Arial"/>
+              </a:rPr>
+              <a:t>: se especifican la dirección IP del siguiente salto (</a:t>
+            </a:r>
+            <a:r>
+              <a:rPr lang="es-ES" sz="2000" kern="0" dirty="0" err="1">
+                <a:solidFill>
+                  <a:srgbClr val="000000"/>
+                </a:solidFill>
+                <a:latin typeface="Arial"/>
+              </a:rPr>
+              <a:t>next</a:t>
+            </a:r>
+            <a:r>
+              <a:rPr lang="es-ES" sz="2000" kern="0" dirty="0">
+                <a:solidFill>
+                  <a:srgbClr val="000000"/>
+                </a:solidFill>
+                <a:latin typeface="Arial"/>
+              </a:rPr>
+              <a:t>-hop) y la interfaz de salida. </a:t>
+            </a:r>
+          </a:p>
+          <a:p>
+            <a:pPr lvl="0" algn="l" defTabSz="814388">
+              <a:lnSpc>
+                <a:spcPct val="95000"/>
+              </a:lnSpc>
+              <a:spcBef>
+                <a:spcPct val="50000"/>
+              </a:spcBef>
+              <a:buClr>
+                <a:srgbClr val="708CA1"/>
+              </a:buClr>
+            </a:pPr>
+            <a:r>
+              <a:rPr lang="es-ES" sz="2000" kern="0" dirty="0">
+                <a:solidFill>
+                  <a:srgbClr val="000000"/>
+                </a:solidFill>
+                <a:latin typeface="Arial"/>
+              </a:rPr>
+              <a:t>NOTA: Si cambia la dirección IP del siguiente salto (</a:t>
+            </a:r>
+            <a:r>
+              <a:rPr lang="es-ES" sz="2000" kern="0" dirty="0" err="1">
+                <a:solidFill>
+                  <a:srgbClr val="000000"/>
+                </a:solidFill>
+                <a:latin typeface="Arial"/>
+              </a:rPr>
+              <a:t>next</a:t>
+            </a:r>
+            <a:r>
+              <a:rPr lang="es-ES" sz="2000" kern="0" dirty="0">
+                <a:solidFill>
+                  <a:srgbClr val="000000"/>
+                </a:solidFill>
+                <a:latin typeface="Arial"/>
+              </a:rPr>
+              <a:t>-hop), quedo totalmente incomunicado, por lo que es preferible utilizar las rutas directamente conectadas.</a:t>
+            </a:r>
+          </a:p>
+        </p:txBody>
+      </p:sp>
     </p:spTree>
     <p:extLst>
       <p:ext uri="{BB962C8B-B14F-4D97-AF65-F5344CB8AC3E}">
-        <p14:creationId xmlns:p14="http://schemas.microsoft.com/office/powerpoint/2010/main" val="2559917394"/>
+        <p14:creationId xmlns:p14="http://schemas.microsoft.com/office/powerpoint/2010/main" val="1768560687"/>
       </p:ext>
     </p:extLst>
   </p:cSld>
@@ -12147,343 +12134,64 @@
         </p:nvSpPr>
         <p:spPr>
           <a:xfrm>
-            <a:off x="276998" y="296420"/>
-            <a:ext cx="8772157" cy="838200"/>
+            <a:off x="128771" y="500527"/>
+            <a:ext cx="8772157" cy="1099672"/>
           </a:xfrm>
         </p:spPr>
         <p:txBody>
-          <a:bodyPr/>
+          <a:bodyPr anchor="t"/>
           <a:lstStyle/>
           <a:p>
-            <a:r>
-              <a:rPr lang="es-ES" dirty="0"/>
-              <a:t>Opciones de siguiente salto (Next-Hop)</a:t>
+            <a:pPr algn="ctr"/>
+            <a:r>
+              <a:rPr lang="es-ES" sz="2800" dirty="0"/>
+              <a:t>Configurar una ruta estática del siguiente salto (</a:t>
+            </a:r>
+            <a:r>
+              <a:rPr lang="es-ES" sz="2800" dirty="0" err="1"/>
+              <a:t>next</a:t>
+            </a:r>
+            <a:r>
+              <a:rPr lang="es-ES" sz="2800" dirty="0"/>
+              <a:t> – hop) o recursiva</a:t>
             </a:r>
           </a:p>
         </p:txBody>
       </p:sp>
-      <p:sp>
-        <p:nvSpPr>
-          <p:cNvPr id="3" name="Rectangle 2"/>
-          <p:cNvSpPr/>
+      <p:pic>
+        <p:nvPicPr>
+          <p:cNvPr id="2" name="Picture 1"/>
+          <p:cNvPicPr>
+            <a:picLocks noChangeAspect="1"/>
+          </p:cNvPicPr>
           <p:nvPr/>
-        </p:nvSpPr>
+        </p:nvPicPr>
+        <p:blipFill>
+          <a:blip r:embed="rId3">
+            <a:extLst>
+              <a:ext uri="{28A0092B-C50C-407E-A947-70E740481C1C}">
+                <a14:useLocalDpi xmlns:a14="http://schemas.microsoft.com/office/drawing/2010/main" val="0"/>
+              </a:ext>
+            </a:extLst>
+          </a:blip>
+          <a:stretch>
+            <a:fillRect/>
+          </a:stretch>
+        </p:blipFill>
         <p:spPr>
           <a:xfrm>
-            <a:off x="276998" y="1385452"/>
-            <a:ext cx="8576057" cy="4508927"/>
+            <a:off x="1323109" y="1474941"/>
+            <a:ext cx="6497782" cy="5383059"/>
           </a:xfrm>
           <a:prstGeom prst="rect">
             <a:avLst/>
           </a:prstGeom>
         </p:spPr>
-        <p:txBody>
-          <a:bodyPr wrap="square">
-            <a:spAutoFit/>
-          </a:bodyPr>
-          <a:lstStyle/>
-          <a:p>
-            <a:pPr lvl="0" algn="l" defTabSz="814388">
-              <a:lnSpc>
-                <a:spcPct val="95000"/>
-              </a:lnSpc>
-              <a:spcBef>
-                <a:spcPct val="50000"/>
-              </a:spcBef>
-              <a:buClr>
-                <a:srgbClr val="708CA1"/>
-              </a:buClr>
-            </a:pPr>
-            <a:r>
-              <a:rPr lang="es-ES" sz="2000" kern="0" dirty="0">
-                <a:solidFill>
-                  <a:srgbClr val="000000"/>
-                </a:solidFill>
-                <a:latin typeface="Arial"/>
-              </a:rPr>
-              <a:t>El siguiente salto (</a:t>
-            </a:r>
-            <a:r>
-              <a:rPr lang="es-ES" sz="2000" b="1" kern="0" dirty="0" err="1">
-                <a:solidFill>
-                  <a:srgbClr val="000000"/>
-                </a:solidFill>
-                <a:latin typeface="Arial"/>
-              </a:rPr>
-              <a:t>next</a:t>
-            </a:r>
-            <a:r>
-              <a:rPr lang="es-ES" sz="2000" b="1" kern="0" dirty="0">
-                <a:solidFill>
-                  <a:srgbClr val="000000"/>
-                </a:solidFill>
-                <a:latin typeface="Arial"/>
-              </a:rPr>
-              <a:t>-hop</a:t>
-            </a:r>
-            <a:r>
-              <a:rPr lang="es-ES" sz="2000" kern="0" dirty="0">
-                <a:solidFill>
-                  <a:srgbClr val="000000"/>
-                </a:solidFill>
-                <a:latin typeface="Arial"/>
-              </a:rPr>
-              <a:t>) se puede identificar mediante una dirección IP, una interfaz de salida, o ambas. El modo en que se especifica el destino genera uno de los siguientes tres tipos de ruta:</a:t>
-            </a:r>
-          </a:p>
-          <a:p>
-            <a:pPr marL="236538" lvl="0" indent="-236538" algn="l" defTabSz="814388">
-              <a:lnSpc>
-                <a:spcPct val="95000"/>
-              </a:lnSpc>
-              <a:spcBef>
-                <a:spcPct val="50000"/>
-              </a:spcBef>
-              <a:buClr>
-                <a:srgbClr val="708CA1"/>
-              </a:buClr>
-              <a:buFont typeface="Wingdings" pitchFamily="2" charset="2"/>
-              <a:buChar char="§"/>
-            </a:pPr>
-            <a:r>
-              <a:rPr lang="es-ES" sz="2000" b="1" kern="0" dirty="0">
-                <a:solidFill>
-                  <a:srgbClr val="000000"/>
-                </a:solidFill>
-                <a:latin typeface="Arial"/>
-              </a:rPr>
-              <a:t>Ruta estática del siguiente salto (</a:t>
-            </a:r>
-            <a:r>
-              <a:rPr lang="es-ES" sz="2000" b="1" kern="0" dirty="0" err="1">
-                <a:solidFill>
-                  <a:srgbClr val="000000"/>
-                </a:solidFill>
-                <a:latin typeface="Arial"/>
-              </a:rPr>
-              <a:t>next</a:t>
-            </a:r>
-            <a:r>
-              <a:rPr lang="es-ES" sz="2000" b="1" kern="0" dirty="0">
-                <a:solidFill>
-                  <a:srgbClr val="000000"/>
-                </a:solidFill>
-                <a:latin typeface="Arial"/>
-              </a:rPr>
-              <a:t>-hop </a:t>
-            </a:r>
-            <a:r>
-              <a:rPr lang="es-ES" sz="2000" b="1" kern="0" dirty="0" err="1">
-                <a:solidFill>
-                  <a:srgbClr val="000000"/>
-                </a:solidFill>
-                <a:latin typeface="Arial"/>
-              </a:rPr>
-              <a:t>route</a:t>
-            </a:r>
-            <a:r>
-              <a:rPr lang="es-ES" sz="2000" b="1" kern="0" dirty="0">
-                <a:solidFill>
-                  <a:srgbClr val="000000"/>
-                </a:solidFill>
-                <a:latin typeface="Arial"/>
-              </a:rPr>
-              <a:t>) o recursiva</a:t>
-            </a:r>
-            <a:r>
-              <a:rPr lang="es-ES" sz="2000" kern="0" dirty="0">
-                <a:solidFill>
-                  <a:srgbClr val="000000"/>
-                </a:solidFill>
-                <a:latin typeface="Arial"/>
-              </a:rPr>
-              <a:t>: solo se especifica la dirección IP del siguiente salto (</a:t>
-            </a:r>
-            <a:r>
-              <a:rPr lang="es-ES" sz="2000" kern="0" dirty="0" err="1">
-                <a:solidFill>
-                  <a:srgbClr val="000000"/>
-                </a:solidFill>
-                <a:latin typeface="Arial"/>
-              </a:rPr>
-              <a:t>next</a:t>
-            </a:r>
-            <a:r>
-              <a:rPr lang="es-ES" sz="2000" kern="0" dirty="0">
-                <a:solidFill>
-                  <a:srgbClr val="000000"/>
-                </a:solidFill>
-                <a:latin typeface="Arial"/>
-              </a:rPr>
-              <a:t>-hop).</a:t>
-            </a:r>
-          </a:p>
-          <a:p>
-            <a:pPr marL="236538" lvl="0" indent="-236538" algn="l" defTabSz="814388">
-              <a:lnSpc>
-                <a:spcPct val="95000"/>
-              </a:lnSpc>
-              <a:spcBef>
-                <a:spcPct val="50000"/>
-              </a:spcBef>
-              <a:buClr>
-                <a:srgbClr val="708CA1"/>
-              </a:buClr>
-              <a:buFont typeface="Wingdings" pitchFamily="2" charset="2"/>
-              <a:buChar char="§"/>
-            </a:pPr>
-            <a:r>
-              <a:rPr lang="es-ES" sz="2000" b="1" kern="0" dirty="0">
-                <a:solidFill>
-                  <a:srgbClr val="000000"/>
-                </a:solidFill>
-                <a:latin typeface="Arial"/>
-              </a:rPr>
-              <a:t>Ruta estática directamente conectada</a:t>
-            </a:r>
-            <a:r>
-              <a:rPr lang="es-ES" sz="2000" kern="0" dirty="0">
-                <a:solidFill>
-                  <a:srgbClr val="000000"/>
-                </a:solidFill>
-                <a:latin typeface="Arial"/>
-              </a:rPr>
-              <a:t>: solo se especifica la interfaz de salida del </a:t>
-            </a:r>
-            <a:r>
-              <a:rPr lang="es-ES" sz="2000" kern="0" dirty="0" err="1">
-                <a:solidFill>
-                  <a:srgbClr val="000000"/>
-                </a:solidFill>
-                <a:latin typeface="Arial"/>
-              </a:rPr>
-              <a:t>router</a:t>
-            </a:r>
-            <a:r>
-              <a:rPr lang="es-ES" sz="2000" kern="0" dirty="0">
-                <a:solidFill>
-                  <a:srgbClr val="000000"/>
-                </a:solidFill>
-                <a:latin typeface="Arial"/>
-              </a:rPr>
-              <a:t>. El id de la interface (s0/0/0 o g0/0).</a:t>
-            </a:r>
-          </a:p>
-          <a:p>
-            <a:pPr marL="236538" lvl="0" indent="-236538" algn="l" defTabSz="814388">
-              <a:lnSpc>
-                <a:spcPct val="95000"/>
-              </a:lnSpc>
-              <a:spcBef>
-                <a:spcPct val="50000"/>
-              </a:spcBef>
-              <a:buClr>
-                <a:srgbClr val="708CA1"/>
-              </a:buClr>
-              <a:buFont typeface="Wingdings" pitchFamily="2" charset="2"/>
-              <a:buChar char="§"/>
-            </a:pPr>
-            <a:r>
-              <a:rPr lang="es-ES" sz="2000" b="1" kern="0" dirty="0">
-                <a:solidFill>
-                  <a:srgbClr val="000000"/>
-                </a:solidFill>
-                <a:latin typeface="Arial"/>
-              </a:rPr>
-              <a:t>Ruta estática completamente conectada (full </a:t>
-            </a:r>
-            <a:r>
-              <a:rPr lang="es-ES" sz="2000" b="1" kern="0" dirty="0" err="1">
-                <a:solidFill>
-                  <a:srgbClr val="000000"/>
-                </a:solidFill>
-                <a:latin typeface="Arial"/>
-              </a:rPr>
-              <a:t>connected</a:t>
-            </a:r>
-            <a:r>
-              <a:rPr lang="es-ES" sz="2000" b="1" kern="0" dirty="0">
-                <a:solidFill>
-                  <a:srgbClr val="000000"/>
-                </a:solidFill>
-                <a:latin typeface="Arial"/>
-              </a:rPr>
-              <a:t>) </a:t>
-            </a:r>
-            <a:r>
-              <a:rPr lang="es-ES" sz="2000" kern="0" dirty="0">
-                <a:solidFill>
-                  <a:srgbClr val="000000"/>
-                </a:solidFill>
-                <a:latin typeface="Arial"/>
-              </a:rPr>
-              <a:t>: se especifican la dirección IP del siguiente salto (</a:t>
-            </a:r>
-            <a:r>
-              <a:rPr lang="es-ES" sz="2000" kern="0" dirty="0" err="1">
-                <a:solidFill>
-                  <a:srgbClr val="000000"/>
-                </a:solidFill>
-                <a:latin typeface="Arial"/>
-              </a:rPr>
-              <a:t>next</a:t>
-            </a:r>
-            <a:r>
-              <a:rPr lang="es-ES" sz="2000" kern="0" dirty="0">
-                <a:solidFill>
-                  <a:srgbClr val="000000"/>
-                </a:solidFill>
-                <a:latin typeface="Arial"/>
-              </a:rPr>
-              <a:t>-hop) y la interfaz de salida. </a:t>
-            </a:r>
-          </a:p>
-          <a:p>
-            <a:pPr lvl="0" algn="l" defTabSz="814388">
-              <a:lnSpc>
-                <a:spcPct val="95000"/>
-              </a:lnSpc>
-              <a:spcBef>
-                <a:spcPct val="50000"/>
-              </a:spcBef>
-              <a:buClr>
-                <a:srgbClr val="708CA1"/>
-              </a:buClr>
-            </a:pPr>
-            <a:r>
-              <a:rPr lang="es-ES" sz="2000" kern="0" dirty="0">
-                <a:solidFill>
-                  <a:srgbClr val="000000"/>
-                </a:solidFill>
-                <a:latin typeface="Arial"/>
-              </a:rPr>
-              <a:t>NOTA: Si cambia la dirección IP del siguiente salto (</a:t>
-            </a:r>
-            <a:r>
-              <a:rPr lang="es-ES" sz="2000" kern="0" dirty="0" err="1">
-                <a:solidFill>
-                  <a:srgbClr val="000000"/>
-                </a:solidFill>
-                <a:latin typeface="Arial"/>
-              </a:rPr>
-              <a:t>next</a:t>
-            </a:r>
-            <a:r>
-              <a:rPr lang="es-ES" sz="2000" kern="0" dirty="0">
-                <a:solidFill>
-                  <a:srgbClr val="000000"/>
-                </a:solidFill>
-                <a:latin typeface="Arial"/>
-              </a:rPr>
-              <a:t>-hop), quedo totalmente incomunicado, por lo que es preferible utilizar las rutas directamente conectadas.</a:t>
-            </a:r>
-          </a:p>
-        </p:txBody>
-      </p:sp>
+      </p:pic>
     </p:spTree>
     <p:extLst>
       <p:ext uri="{BB962C8B-B14F-4D97-AF65-F5344CB8AC3E}">
-        <p14:creationId xmlns:p14="http://schemas.microsoft.com/office/powerpoint/2010/main" val="1768560687"/>
+        <p14:creationId xmlns:p14="http://schemas.microsoft.com/office/powerpoint/2010/main" val="2876359554"/>
       </p:ext>
     </p:extLst>
   </p:cSld>
@@ -12515,7 +12223,7 @@
       </p:grpSpPr>
       <p:sp>
         <p:nvSpPr>
-          <p:cNvPr id="21505" name="Rectangle 2"/>
+          <p:cNvPr id="8194" name="Rectangle 2"/>
           <p:cNvSpPr>
             <a:spLocks noGrp="1" noChangeArrowheads="1"/>
           </p:cNvSpPr>
@@ -12525,40 +12233,44 @@
         </p:nvSpPr>
         <p:spPr>
           <a:xfrm>
-            <a:off x="128771" y="500527"/>
-            <a:ext cx="8772157" cy="1099672"/>
+            <a:off x="80100" y="559286"/>
+            <a:ext cx="8965929" cy="814009"/>
           </a:xfrm>
         </p:spPr>
         <p:txBody>
           <a:bodyPr anchor="t"/>
           <a:lstStyle/>
           <a:p>
-            <a:pPr algn="ctr"/>
+            <a:pPr algn="ctr" eaLnBrk="1" hangingPunct="1">
+              <a:defRPr/>
+            </a:pPr>
             <a:r>
               <a:rPr lang="es-ES" sz="2800" dirty="0"/>
-              <a:t>Configurar una ruta estática del siguiente salto (</a:t>
-            </a:r>
-            <a:r>
-              <a:rPr lang="es-ES" sz="2800" dirty="0" err="1"/>
-              <a:t>next</a:t>
-            </a:r>
-            <a:r>
-              <a:rPr lang="es-ES" sz="2800" dirty="0"/>
-              <a:t> – hop) o recursiva</a:t>
-            </a:r>
+              <a:t>Configurar una ruta estática directamente conectada</a:t>
+            </a:r>
+            <a:endParaRPr lang="es-ES" sz="2800" dirty="0">
+              <a:solidFill>
+                <a:schemeClr val="accent5">
+                  <a:lumMod val="75000"/>
+                </a:schemeClr>
+              </a:solidFill>
+              <a:cs typeface="Arial" pitchFamily="34" charset="0"/>
+            </a:endParaRPr>
           </a:p>
         </p:txBody>
       </p:sp>
       <p:pic>
         <p:nvPicPr>
-          <p:cNvPr id="2" name="Picture 1"/>
+          <p:cNvPr id="2" name="Content Placeholder 1"/>
           <p:cNvPicPr>
-            <a:picLocks noChangeAspect="1"/>
+            <a:picLocks noGrp="1" noChangeAspect="1"/>
           </p:cNvPicPr>
-          <p:nvPr/>
+          <p:nvPr>
+            <p:ph idx="1"/>
+          </p:nvPr>
         </p:nvPicPr>
         <p:blipFill>
-          <a:blip r:embed="rId3">
+          <a:blip r:embed="rId3" cstate="email">
             <a:extLst>
               <a:ext uri="{28A0092B-C50C-407E-A947-70E740481C1C}">
                 <a14:useLocalDpi xmlns:a14="http://schemas.microsoft.com/office/drawing/2010/main" val="0"/>
@@ -12571,8 +12283,34 @@
         </p:blipFill>
         <p:spPr>
           <a:xfrm>
-            <a:off x="1323109" y="1474941"/>
-            <a:ext cx="6497782" cy="5383059"/>
+            <a:off x="557762" y="1565275"/>
+            <a:ext cx="7933226" cy="4386263"/>
+          </a:xfrm>
+        </p:spPr>
+      </p:pic>
+      <p:pic>
+        <p:nvPicPr>
+          <p:cNvPr id="3" name="Picture 2"/>
+          <p:cNvPicPr>
+            <a:picLocks noChangeAspect="1"/>
+          </p:cNvPicPr>
+          <p:nvPr/>
+        </p:nvPicPr>
+        <p:blipFill rotWithShape="1">
+          <a:blip r:embed="rId4" cstate="email">
+            <a:extLst>
+              <a:ext uri="{28A0092B-C50C-407E-A947-70E740481C1C}">
+                <a14:useLocalDpi xmlns:a14="http://schemas.microsoft.com/office/drawing/2010/main"/>
+              </a:ext>
+            </a:extLst>
+          </a:blip>
+          <a:srcRect/>
+          <a:stretch/>
+        </p:blipFill>
+        <p:spPr>
+          <a:xfrm>
+            <a:off x="4290607" y="4560774"/>
+            <a:ext cx="4631589" cy="1674209"/>
           </a:xfrm>
           <a:prstGeom prst="rect">
             <a:avLst/>
@@ -12582,7 +12320,7 @@
     </p:spTree>
     <p:extLst>
       <p:ext uri="{BB962C8B-B14F-4D97-AF65-F5344CB8AC3E}">
-        <p14:creationId xmlns:p14="http://schemas.microsoft.com/office/powerpoint/2010/main" val="2876359554"/>
+        <p14:creationId xmlns:p14="http://schemas.microsoft.com/office/powerpoint/2010/main" val="3783976944"/>
       </p:ext>
     </p:extLst>
   </p:cSld>
@@ -12614,7 +12352,7 @@
       </p:grpSpPr>
       <p:sp>
         <p:nvSpPr>
-          <p:cNvPr id="8194" name="Rectangle 2"/>
+          <p:cNvPr id="21505" name="Rectangle 2"/>
           <p:cNvSpPr>
             <a:spLocks noGrp="1" noChangeArrowheads="1"/>
           </p:cNvSpPr>
@@ -12624,84 +12362,46 @@
         </p:nvSpPr>
         <p:spPr>
           <a:xfrm>
-            <a:off x="80100" y="559286"/>
-            <a:ext cx="8965929" cy="814009"/>
+            <a:off x="185921" y="451542"/>
+            <a:ext cx="8772157" cy="838200"/>
           </a:xfrm>
         </p:spPr>
         <p:txBody>
           <a:bodyPr anchor="t"/>
           <a:lstStyle/>
           <a:p>
-            <a:pPr algn="ctr" eaLnBrk="1" hangingPunct="1">
-              <a:defRPr/>
-            </a:pPr>
+            <a:pPr algn="ctr"/>
             <a:r>
               <a:rPr lang="es-ES" sz="2800" dirty="0"/>
-              <a:t>Configurar una ruta estática directamente conectada</a:t>
-            </a:r>
-            <a:endParaRPr lang="es-ES" sz="2800" dirty="0">
-              <a:solidFill>
-                <a:schemeClr val="accent5">
-                  <a:lumMod val="75000"/>
-                </a:schemeClr>
-              </a:solidFill>
-              <a:cs typeface="Arial" pitchFamily="34" charset="0"/>
-            </a:endParaRPr>
+              <a:t>Configurar una ruta estática totalmente especificada (completamente conectada)</a:t>
+            </a:r>
           </a:p>
         </p:txBody>
       </p:sp>
       <p:pic>
         <p:nvPicPr>
-          <p:cNvPr id="2" name="Content Placeholder 1"/>
+          <p:cNvPr id="4" name="Imagen 3">
+            <a:extLst>
+              <a:ext uri="{FF2B5EF4-FFF2-40B4-BE49-F238E27FC236}">
+                <a16:creationId xmlns:a16="http://schemas.microsoft.com/office/drawing/2014/main" id="{2B215643-1F10-48B2-972E-B78984315417}"/>
+              </a:ext>
+            </a:extLst>
+          </p:cNvPr>
           <p:cNvPicPr>
-            <a:picLocks noGrp="1" noChangeAspect="1"/>
+            <a:picLocks noChangeAspect="1"/>
           </p:cNvPicPr>
-          <p:nvPr>
-            <p:ph idx="1"/>
-          </p:nvPr>
+          <p:nvPr/>
         </p:nvPicPr>
         <p:blipFill>
-          <a:blip r:embed="rId3" cstate="email">
-            <a:extLst>
-              <a:ext uri="{28A0092B-C50C-407E-A947-70E740481C1C}">
-                <a14:useLocalDpi xmlns:a14="http://schemas.microsoft.com/office/drawing/2010/main" val="0"/>
-              </a:ext>
-            </a:extLst>
-          </a:blip>
+          <a:blip r:embed="rId3"/>
           <a:stretch>
             <a:fillRect/>
           </a:stretch>
         </p:blipFill>
         <p:spPr>
           <a:xfrm>
-            <a:off x="557762" y="1565275"/>
-            <a:ext cx="7933226" cy="4386263"/>
-          </a:xfrm>
-        </p:spPr>
-      </p:pic>
-      <p:pic>
-        <p:nvPicPr>
-          <p:cNvPr id="3" name="Picture 2"/>
-          <p:cNvPicPr>
-            <a:picLocks noChangeAspect="1"/>
-          </p:cNvPicPr>
-          <p:nvPr/>
-        </p:nvPicPr>
-        <p:blipFill rotWithShape="1">
-          <a:blip r:embed="rId4" cstate="email">
-            <a:extLst>
-              <a:ext uri="{28A0092B-C50C-407E-A947-70E740481C1C}">
-                <a14:useLocalDpi xmlns:a14="http://schemas.microsoft.com/office/drawing/2010/main"/>
-              </a:ext>
-            </a:extLst>
-          </a:blip>
-          <a:srcRect/>
-          <a:stretch/>
-        </p:blipFill>
-        <p:spPr>
-          <a:xfrm>
-            <a:off x="4290607" y="4560774"/>
-            <a:ext cx="4631589" cy="1674209"/>
+            <a:off x="955222" y="1626810"/>
+            <a:ext cx="7480017" cy="4578048"/>
           </a:xfrm>
           <a:prstGeom prst="rect">
             <a:avLst/>
@@ -12711,7 +12411,7 @@
     </p:spTree>
     <p:extLst>
       <p:ext uri="{BB962C8B-B14F-4D97-AF65-F5344CB8AC3E}">
-        <p14:creationId xmlns:p14="http://schemas.microsoft.com/office/powerpoint/2010/main" val="3783976944"/>
+        <p14:creationId xmlns:p14="http://schemas.microsoft.com/office/powerpoint/2010/main" val="2258191345"/>
       </p:ext>
     </p:extLst>
   </p:cSld>
@@ -12753,56 +12453,113 @@
         </p:nvSpPr>
         <p:spPr>
           <a:xfrm>
-            <a:off x="185921" y="451542"/>
+            <a:off x="259182" y="173957"/>
             <a:ext cx="8772157" cy="838200"/>
           </a:xfrm>
         </p:spPr>
         <p:txBody>
-          <a:bodyPr anchor="t"/>
+          <a:bodyPr/>
           <a:lstStyle/>
           <a:p>
             <a:pPr algn="ctr"/>
             <a:r>
-              <a:rPr lang="es-ES" sz="2800" dirty="0"/>
-              <a:t>Configurar una ruta estática totalmente especificada (completamente conectada)</a:t>
+              <a:rPr lang="es-ES" dirty="0"/>
+              <a:t>Verificar una ruta estática</a:t>
             </a:r>
           </a:p>
         </p:txBody>
       </p:sp>
       <p:pic>
         <p:nvPicPr>
-          <p:cNvPr id="4" name="Imagen 3">
-            <a:extLst>
-              <a:ext uri="{FF2B5EF4-FFF2-40B4-BE49-F238E27FC236}">
-                <a16:creationId xmlns:a16="http://schemas.microsoft.com/office/drawing/2014/main" id="{2B215643-1F10-48B2-972E-B78984315417}"/>
-              </a:ext>
-            </a:extLst>
-          </p:cNvPr>
+          <p:cNvPr id="2" name="Picture 1" descr="Routing and Switching Essentials - Mozilla Firefox"/>
           <p:cNvPicPr>
             <a:picLocks noChangeAspect="1"/>
           </p:cNvPicPr>
           <p:nvPr/>
         </p:nvPicPr>
-        <p:blipFill>
-          <a:blip r:embed="rId3"/>
-          <a:stretch>
-            <a:fillRect/>
-          </a:stretch>
+        <p:blipFill rotWithShape="1">
+          <a:blip r:embed="rId3" cstate="email">
+            <a:extLst>
+              <a:ext uri="{28A0092B-C50C-407E-A947-70E740481C1C}">
+                <a14:useLocalDpi xmlns:a14="http://schemas.microsoft.com/office/drawing/2010/main"/>
+              </a:ext>
+            </a:extLst>
+          </a:blip>
+          <a:srcRect/>
+          <a:stretch/>
         </p:blipFill>
         <p:spPr>
           <a:xfrm>
-            <a:off x="955222" y="1626810"/>
-            <a:ext cx="7480017" cy="4578048"/>
+            <a:off x="1070203" y="1356019"/>
+            <a:ext cx="4301836" cy="3445541"/>
           </a:xfrm>
           <a:prstGeom prst="rect">
             <a:avLst/>
           </a:prstGeom>
         </p:spPr>
       </p:pic>
+      <p:pic>
+        <p:nvPicPr>
+          <p:cNvPr id="4" name="Picture 3" descr="Routing and Switching Essentials - Mozilla Firefox"/>
+          <p:cNvPicPr>
+            <a:picLocks noChangeAspect="1"/>
+          </p:cNvPicPr>
+          <p:nvPr/>
+        </p:nvPicPr>
+        <p:blipFill rotWithShape="1">
+          <a:blip r:embed="rId4" cstate="email">
+            <a:extLst>
+              <a:ext uri="{28A0092B-C50C-407E-A947-70E740481C1C}">
+                <a14:useLocalDpi xmlns:a14="http://schemas.microsoft.com/office/drawing/2010/main"/>
+              </a:ext>
+            </a:extLst>
+          </a:blip>
+          <a:srcRect/>
+          <a:stretch/>
+        </p:blipFill>
+        <p:spPr>
+          <a:xfrm>
+            <a:off x="1150946" y="4803285"/>
+            <a:ext cx="4387602" cy="1647451"/>
+          </a:xfrm>
+          <a:prstGeom prst="rect">
+            <a:avLst/>
+          </a:prstGeom>
+        </p:spPr>
+      </p:pic>
+      <p:pic>
+        <p:nvPicPr>
+          <p:cNvPr id="5" name="Picture 4" descr="Routing and Switching Essentials - Mozilla Firefox"/>
+          <p:cNvPicPr>
+            <a:picLocks noChangeAspect="1"/>
+          </p:cNvPicPr>
+          <p:nvPr/>
+        </p:nvPicPr>
+        <p:blipFill rotWithShape="1">
+          <a:blip r:embed="rId5" cstate="email">
+            <a:extLst>
+              <a:ext uri="{28A0092B-C50C-407E-A947-70E740481C1C}">
+                <a14:useLocalDpi xmlns:a14="http://schemas.microsoft.com/office/drawing/2010/main"/>
+              </a:ext>
+            </a:extLst>
+          </a:blip>
+          <a:srcRect/>
+          <a:stretch/>
+        </p:blipFill>
+        <p:spPr>
+          <a:xfrm>
+            <a:off x="5214873" y="4806735"/>
+            <a:ext cx="3702918" cy="1369147"/>
+          </a:xfrm>
+          <a:prstGeom prst="rect">
+            <a:avLst/>
+          </a:prstGeom>
+        </p:spPr>
+      </p:pic>
     </p:spTree>
     <p:extLst>
       <p:ext uri="{BB962C8B-B14F-4D97-AF65-F5344CB8AC3E}">
-        <p14:creationId xmlns:p14="http://schemas.microsoft.com/office/powerpoint/2010/main" val="2258191345"/>
+        <p14:creationId xmlns:p14="http://schemas.microsoft.com/office/powerpoint/2010/main" val="1769836096"/>
       </p:ext>
     </p:extLst>
   </p:cSld>
@@ -12842,12 +12599,7 @@
             <p:ph type="title"/>
           </p:nvPr>
         </p:nvSpPr>
-        <p:spPr>
-          <a:xfrm>
-            <a:off x="259182" y="173957"/>
-            <a:ext cx="8772157" cy="838200"/>
-          </a:xfrm>
-        </p:spPr>
+        <p:spPr/>
         <p:txBody>
           <a:bodyPr/>
           <a:lstStyle/>
@@ -12855,102 +12607,93 @@
             <a:pPr algn="ctr"/>
             <a:r>
               <a:rPr lang="es-ES" dirty="0"/>
-              <a:t>Verificar una ruta estática</a:t>
+              <a:t>Ruta estática por default (predeterminada)</a:t>
             </a:r>
           </a:p>
         </p:txBody>
       </p:sp>
       <p:pic>
         <p:nvPicPr>
-          <p:cNvPr id="2" name="Picture 1" descr="Routing and Switching Essentials - Mozilla Firefox"/>
+          <p:cNvPr id="2" name="Picture 1"/>
           <p:cNvPicPr>
             <a:picLocks noChangeAspect="1"/>
           </p:cNvPicPr>
           <p:nvPr/>
         </p:nvPicPr>
-        <p:blipFill rotWithShape="1">
+        <p:blipFill>
           <a:blip r:embed="rId3" cstate="email">
             <a:extLst>
               <a:ext uri="{28A0092B-C50C-407E-A947-70E740481C1C}">
-                <a14:useLocalDpi xmlns:a14="http://schemas.microsoft.com/office/drawing/2010/main"/>
+                <a14:useLocalDpi xmlns:a14="http://schemas.microsoft.com/office/drawing/2010/main" val="0"/>
               </a:ext>
             </a:extLst>
           </a:blip>
-          <a:srcRect/>
-          <a:stretch/>
+          <a:stretch>
+            <a:fillRect/>
+          </a:stretch>
         </p:blipFill>
         <p:spPr>
           <a:xfrm>
-            <a:off x="1070203" y="1356019"/>
-            <a:ext cx="4301836" cy="3445541"/>
+            <a:off x="478025" y="1430457"/>
+            <a:ext cx="8024665" cy="4871465"/>
           </a:xfrm>
           <a:prstGeom prst="rect">
             <a:avLst/>
           </a:prstGeom>
         </p:spPr>
       </p:pic>
-      <p:pic>
-        <p:nvPicPr>
-          <p:cNvPr id="4" name="Picture 3" descr="Routing and Switching Essentials - Mozilla Firefox"/>
-          <p:cNvPicPr>
-            <a:picLocks noChangeAspect="1"/>
-          </p:cNvPicPr>
-          <p:nvPr/>
-        </p:nvPicPr>
-        <p:blipFill rotWithShape="1">
-          <a:blip r:embed="rId4" cstate="email">
+      <p:sp>
+        <p:nvSpPr>
+          <p:cNvPr id="3" name="CuadroTexto 2">
             <a:extLst>
-              <a:ext uri="{28A0092B-C50C-407E-A947-70E740481C1C}">
-                <a14:useLocalDpi xmlns:a14="http://schemas.microsoft.com/office/drawing/2010/main"/>
+              <a:ext uri="{FF2B5EF4-FFF2-40B4-BE49-F238E27FC236}">
+                <a16:creationId xmlns:a16="http://schemas.microsoft.com/office/drawing/2014/main" id="{649C5EB1-FD32-4AA3-BB06-F8F6E2C288A1}"/>
               </a:ext>
             </a:extLst>
-          </a:blip>
-          <a:srcRect/>
-          <a:stretch/>
-        </p:blipFill>
+          </p:cNvPr>
+          <p:cNvSpPr txBox="1"/>
+          <p:nvPr/>
+        </p:nvSpPr>
         <p:spPr>
           <a:xfrm>
-            <a:off x="1150946" y="4803285"/>
-            <a:ext cx="4387602" cy="1647451"/>
+            <a:off x="720365" y="1894113"/>
+            <a:ext cx="5759141" cy="286232"/>
           </a:xfrm>
           <a:prstGeom prst="rect">
             <a:avLst/>
           </a:prstGeom>
-        </p:spPr>
-      </p:pic>
-      <p:pic>
-        <p:nvPicPr>
-          <p:cNvPr id="5" name="Picture 4" descr="Routing and Switching Essentials - Mozilla Firefox"/>
-          <p:cNvPicPr>
-            <a:picLocks noChangeAspect="1"/>
-          </p:cNvPicPr>
-          <p:nvPr/>
-        </p:nvPicPr>
-        <p:blipFill rotWithShape="1">
-          <a:blip r:embed="rId5" cstate="email">
-            <a:extLst>
-              <a:ext uri="{28A0092B-C50C-407E-A947-70E740481C1C}">
-                <a14:useLocalDpi xmlns:a14="http://schemas.microsoft.com/office/drawing/2010/main"/>
-              </a:ext>
-            </a:extLst>
-          </a:blip>
-          <a:srcRect/>
-          <a:stretch/>
-        </p:blipFill>
-        <p:spPr>
-          <a:xfrm>
-            <a:off x="5214873" y="4806735"/>
-            <a:ext cx="3702918" cy="1369147"/>
-          </a:xfrm>
-          <a:prstGeom prst="rect">
-            <a:avLst/>
-          </a:prstGeom>
-        </p:spPr>
-      </p:pic>
+          <a:noFill/>
+        </p:spPr>
+        <p:txBody>
+          <a:bodyPr wrap="none" rtlCol="0">
+            <a:spAutoFit/>
+          </a:bodyPr>
+          <a:lstStyle/>
+          <a:p>
+            <a:r>
+              <a:rPr lang="es-ES" sz="1400" b="1" dirty="0"/>
+              <a:t>NOTA: </a:t>
+            </a:r>
+            <a:r>
+              <a:rPr lang="es-ES" sz="1400" dirty="0"/>
+              <a:t>Solamente puedo tener una ruta estática por default por </a:t>
+            </a:r>
+            <a:r>
+              <a:rPr lang="es-ES" sz="1400" dirty="0" err="1"/>
+              <a:t>router</a:t>
+            </a:r>
+            <a:r>
+              <a:rPr lang="es-ES" sz="1400" dirty="0"/>
+              <a:t>.</a:t>
+            </a:r>
+            <a:endParaRPr lang="es-MX" sz="1400" dirty="0"/>
+          </a:p>
+        </p:txBody>
+      </p:sp>
     </p:spTree>
     <p:extLst>
       <p:ext uri="{BB962C8B-B14F-4D97-AF65-F5344CB8AC3E}">
-        <p14:creationId xmlns:p14="http://schemas.microsoft.com/office/powerpoint/2010/main" val="1769836096"/>
+        <p14:creationId xmlns:p14="http://schemas.microsoft.com/office/powerpoint/2010/main" val="922800024"/>
       </p:ext>
     </p:extLst>
   </p:cSld>
@@ -12990,29 +12733,40 @@
             <p:ph type="title"/>
           </p:nvPr>
         </p:nvSpPr>
-        <p:spPr/>
+        <p:spPr>
+          <a:xfrm>
+            <a:off x="185921" y="476035"/>
+            <a:ext cx="8772157" cy="838200"/>
+          </a:xfrm>
+        </p:spPr>
         <p:txBody>
           <a:bodyPr/>
           <a:lstStyle/>
           <a:p>
             <a:pPr algn="ctr"/>
-            <a:r>
+            <a:br>
               <a:rPr lang="es-ES" dirty="0"/>
-              <a:t>Ruta estática por default (predeterminada)</a:t>
+            </a:br>
+            <a:br>
+              <a:rPr dirty="0"/>
+            </a:br>
+            <a:r>
+              <a:rPr lang="es-ES" sz="2800" dirty="0"/>
+              <a:t>Configurar una ruta estática por default o predeterminada</a:t>
             </a:r>
           </a:p>
         </p:txBody>
       </p:sp>
       <p:pic>
         <p:nvPicPr>
-          <p:cNvPr id="2" name="Picture 1"/>
+          <p:cNvPr id="3" name="Picture 2"/>
           <p:cNvPicPr>
             <a:picLocks noChangeAspect="1"/>
           </p:cNvPicPr>
           <p:nvPr/>
         </p:nvPicPr>
         <p:blipFill>
-          <a:blip r:embed="rId3" cstate="email">
+          <a:blip r:embed="rId3">
             <a:extLst>
               <a:ext uri="{28A0092B-C50C-407E-A947-70E740481C1C}">
                 <a14:useLocalDpi xmlns:a14="http://schemas.microsoft.com/office/drawing/2010/main" val="0"/>
@@ -13025,66 +12779,18 @@
         </p:blipFill>
         <p:spPr>
           <a:xfrm>
-            <a:off x="478025" y="1430457"/>
-            <a:ext cx="8024665" cy="4871465"/>
+            <a:off x="1295852" y="1474396"/>
+            <a:ext cx="6753637" cy="5381953"/>
           </a:xfrm>
           <a:prstGeom prst="rect">
             <a:avLst/>
           </a:prstGeom>
         </p:spPr>
       </p:pic>
-      <p:sp>
-        <p:nvSpPr>
-          <p:cNvPr id="3" name="CuadroTexto 2">
-            <a:extLst>
-              <a:ext uri="{FF2B5EF4-FFF2-40B4-BE49-F238E27FC236}">
-                <a16:creationId xmlns:a16="http://schemas.microsoft.com/office/drawing/2014/main" id="{649C5EB1-FD32-4AA3-BB06-F8F6E2C288A1}"/>
-              </a:ext>
-            </a:extLst>
-          </p:cNvPr>
-          <p:cNvSpPr txBox="1"/>
-          <p:nvPr/>
-        </p:nvSpPr>
-        <p:spPr>
-          <a:xfrm>
-            <a:off x="720365" y="1894113"/>
-            <a:ext cx="5759141" cy="286232"/>
-          </a:xfrm>
-          <a:prstGeom prst="rect">
-            <a:avLst/>
-          </a:prstGeom>
-          <a:noFill/>
-        </p:spPr>
-        <p:txBody>
-          <a:bodyPr wrap="none" rtlCol="0">
-            <a:spAutoFit/>
-          </a:bodyPr>
-          <a:lstStyle/>
-          <a:p>
-            <a:r>
-              <a:rPr lang="es-ES" sz="1400" b="1" dirty="0"/>
-              <a:t>NOTA: </a:t>
-            </a:r>
-            <a:r>
-              <a:rPr lang="es-ES" sz="1400" dirty="0"/>
-              <a:t>Solamente puedo tener una ruta estática por default por </a:t>
-            </a:r>
-            <a:r>
-              <a:rPr lang="es-ES" sz="1400" dirty="0" err="1"/>
-              <a:t>router</a:t>
-            </a:r>
-            <a:r>
-              <a:rPr lang="es-ES" sz="1400" dirty="0"/>
-              <a:t>.</a:t>
-            </a:r>
-            <a:endParaRPr lang="es-MX" sz="1400" dirty="0"/>
-          </a:p>
-        </p:txBody>
-      </p:sp>
     </p:spTree>
     <p:extLst>
       <p:ext uri="{BB962C8B-B14F-4D97-AF65-F5344CB8AC3E}">
-        <p14:creationId xmlns:p14="http://schemas.microsoft.com/office/powerpoint/2010/main" val="922800024"/>
+        <p14:creationId xmlns:p14="http://schemas.microsoft.com/office/powerpoint/2010/main" val="4184380827"/>
       </p:ext>
     </p:extLst>
   </p:cSld>
@@ -13126,103 +12832,6 @@
         </p:nvSpPr>
         <p:spPr>
           <a:xfrm>
-            <a:off x="185921" y="476035"/>
-            <a:ext cx="8772157" cy="838200"/>
-          </a:xfrm>
-        </p:spPr>
-        <p:txBody>
-          <a:bodyPr/>
-          <a:lstStyle/>
-          <a:p>
-            <a:pPr algn="ctr"/>
-            <a:br>
-              <a:rPr lang="es-ES" dirty="0"/>
-            </a:br>
-            <a:br>
-              <a:rPr dirty="0"/>
-            </a:br>
-            <a:r>
-              <a:rPr lang="es-ES" sz="2800" dirty="0"/>
-              <a:t>Configurar una ruta estática por default o predeterminada</a:t>
-            </a:r>
-          </a:p>
-        </p:txBody>
-      </p:sp>
-      <p:pic>
-        <p:nvPicPr>
-          <p:cNvPr id="3" name="Picture 2"/>
-          <p:cNvPicPr>
-            <a:picLocks noChangeAspect="1"/>
-          </p:cNvPicPr>
-          <p:nvPr/>
-        </p:nvPicPr>
-        <p:blipFill>
-          <a:blip r:embed="rId3">
-            <a:extLst>
-              <a:ext uri="{28A0092B-C50C-407E-A947-70E740481C1C}">
-                <a14:useLocalDpi xmlns:a14="http://schemas.microsoft.com/office/drawing/2010/main" val="0"/>
-              </a:ext>
-            </a:extLst>
-          </a:blip>
-          <a:stretch>
-            <a:fillRect/>
-          </a:stretch>
-        </p:blipFill>
-        <p:spPr>
-          <a:xfrm>
-            <a:off x="1295852" y="1474396"/>
-            <a:ext cx="6753637" cy="5381953"/>
-          </a:xfrm>
-          <a:prstGeom prst="rect">
-            <a:avLst/>
-          </a:prstGeom>
-        </p:spPr>
-      </p:pic>
-    </p:spTree>
-    <p:extLst>
-      <p:ext uri="{BB962C8B-B14F-4D97-AF65-F5344CB8AC3E}">
-        <p14:creationId xmlns:p14="http://schemas.microsoft.com/office/powerpoint/2010/main" val="4184380827"/>
-      </p:ext>
-    </p:extLst>
-  </p:cSld>
-  <p:clrMapOvr>
-    <a:masterClrMapping/>
-  </p:clrMapOvr>
-  <p:transition spd="med">
-    <p:wipe dir="r"/>
-  </p:transition>
-</p:sld>
-</file>
-
-<file path=ppt/slides/slide18.xml><?xml version="1.0" encoding="utf-8"?>
-<p:sld xmlns:a="http://schemas.openxmlformats.org/drawingml/2006/main" xmlns:r="http://schemas.openxmlformats.org/officeDocument/2006/relationships" xmlns:p="http://schemas.openxmlformats.org/presentationml/2006/main">
-  <p:cSld>
-    <p:spTree>
-      <p:nvGrpSpPr>
-        <p:cNvPr id="1" name=""/>
-        <p:cNvGrpSpPr/>
-        <p:nvPr/>
-      </p:nvGrpSpPr>
-      <p:grpSpPr>
-        <a:xfrm>
-          <a:off x="0" y="0"/>
-          <a:ext cx="0" cy="0"/>
-          <a:chOff x="0" y="0"/>
-          <a:chExt cx="0" cy="0"/>
-        </a:xfrm>
-      </p:grpSpPr>
-      <p:sp>
-        <p:nvSpPr>
-          <p:cNvPr id="21505" name="Rectangle 2"/>
-          <p:cNvSpPr>
-            <a:spLocks noGrp="1" noChangeArrowheads="1"/>
-          </p:cNvSpPr>
-          <p:nvPr>
-            <p:ph type="title"/>
-          </p:nvPr>
-        </p:nvSpPr>
-        <p:spPr>
-          <a:xfrm>
             <a:off x="185921" y="505599"/>
             <a:ext cx="8772157" cy="838200"/>
           </a:xfrm>
@@ -13523,7 +13132,7 @@
 </p:sld>
 </file>
 
-<file path=ppt/slides/slide19.xml><?xml version="1.0" encoding="utf-8"?>
+<file path=ppt/slides/slide18.xml><?xml version="1.0" encoding="utf-8"?>
 <p:sld xmlns:a="http://schemas.openxmlformats.org/drawingml/2006/main" xmlns:r="http://schemas.openxmlformats.org/officeDocument/2006/relationships" xmlns:p="http://schemas.openxmlformats.org/presentationml/2006/main">
   <p:cSld>
     <p:spTree>
@@ -14434,7 +14043,7 @@
               </a14:hiddenLine>
             </a:ext>
             <a:ext uri="{FAA26D3D-D897-4be2-8F04-BA451C77F1D7}">
-              <ma14:placeholderFlag xmlns:ma14="http://schemas.microsoft.com/office/mac/drawingml/2011/main" xmlns:mc="http://schemas.openxmlformats.org/markup-compatibility/2006" xmlns:a14="http://schemas.microsoft.com/office/drawing/2010/main" xmlns:c="http://schemas.openxmlformats.org/drawingml/2006/chart" xmlns:dgm="http://schemas.openxmlformats.org/drawingml/2006/diagram" xmlns:cdr="http://schemas.openxmlformats.org/drawingml/2006/chartDrawing" xmlns:wne="http://schemas.microsoft.com/office/powerpoint/2006/powerpointml" xmlns:wp="http://schemas.openxmlformats.org/drawingml/2006/powerpointprocessingDrawing" xmlns:v="urn:schemas-microsoft-com:vml" xmlns:o="urn:schemas-microsoft-com:office:office" xmlns="" val="1"/>
+              <ma14:placeholderFlag xmlns="" xmlns:o="urn:schemas-microsoft-com:office:office" xmlns:v="urn:schemas-microsoft-com:vml" xmlns:wp="http://schemas.openxmlformats.org/drawingml/2006/powerpointprocessingDrawing" xmlns:wne="http://schemas.microsoft.com/office/powerpoint/2006/powerpointml" xmlns:cdr="http://schemas.openxmlformats.org/drawingml/2006/chartDrawing" xmlns:dgm="http://schemas.openxmlformats.org/drawingml/2006/diagram" xmlns:c="http://schemas.openxmlformats.org/drawingml/2006/chart" xmlns:a14="http://schemas.microsoft.com/office/drawing/2010/main" xmlns:mc="http://schemas.openxmlformats.org/markup-compatibility/2006" xmlns:ma14="http://schemas.microsoft.com/office/mac/drawingml/2011/main" val="1"/>
             </a:ext>
           </a:extLst>
         </p:spPr>
@@ -14693,92 +14302,34 @@
             <p:ph type="title"/>
           </p:nvPr>
         </p:nvSpPr>
-        <p:spPr>
-          <a:xfrm>
-            <a:off x="268531" y="451540"/>
-            <a:ext cx="8772157" cy="723903"/>
-          </a:xfrm>
-        </p:spPr>
+        <p:spPr/>
         <p:txBody>
           <a:bodyPr/>
           <a:lstStyle/>
           <a:p>
             <a:r>
+              <a:rPr lang="es-ES" sz="1800" dirty="0"/>
+              <a:t>Tipos de rutas estáticas</a:t>
+            </a:r>
+            <a:br>
+              <a:rPr dirty="0"/>
+            </a:br>
+            <a:r>
               <a:rPr lang="es-ES" dirty="0"/>
-              <a:t>Ruta estática</a:t>
+              <a:t>Ruta estática por default (predeterminada)</a:t>
             </a:r>
           </a:p>
         </p:txBody>
       </p:sp>
-      <p:sp>
-        <p:nvSpPr>
-          <p:cNvPr id="2" name="Content Placeholder 1"/>
-          <p:cNvSpPr>
-            <a:spLocks noGrp="1"/>
-          </p:cNvSpPr>
+      <p:pic>
+        <p:nvPicPr>
+          <p:cNvPr id="4" name="Content Placeholder 3"/>
+          <p:cNvPicPr>
+            <a:picLocks noGrp="1" noChangeAspect="1"/>
+          </p:cNvPicPr>
           <p:nvPr>
             <p:ph idx="1"/>
           </p:nvPr>
-        </p:nvSpPr>
-        <p:spPr>
-          <a:xfrm>
-            <a:off x="305862" y="1355057"/>
-            <a:ext cx="8697494" cy="922779"/>
-          </a:xfrm>
-        </p:spPr>
-        <p:txBody>
-          <a:bodyPr/>
-          <a:lstStyle/>
-          <a:p>
-            <a:pPr marL="0" indent="0">
-              <a:buNone/>
-            </a:pPr>
-            <a:r>
-              <a:rPr lang="es-ES" sz="2000" dirty="0"/>
-              <a:t>Se establece a través del siguiente comando:</a:t>
-            </a:r>
-          </a:p>
-          <a:p>
-            <a:pPr marL="0" indent="0">
-              <a:buNone/>
-            </a:pPr>
-            <a:r>
-              <a:rPr lang="es-ES" sz="2000" b="1" dirty="0" err="1"/>
-              <a:t>ip</a:t>
-            </a:r>
-            <a:r>
-              <a:rPr lang="es-ES" sz="2000" b="1" dirty="0"/>
-              <a:t> </a:t>
-            </a:r>
-            <a:r>
-              <a:rPr lang="es-ES" sz="2000" b="1" dirty="0" err="1"/>
-              <a:t>route</a:t>
-            </a:r>
-            <a:r>
-              <a:rPr lang="es-ES" sz="2000" b="1" dirty="0"/>
-              <a:t> dirección de red máscara interface/dirección </a:t>
-            </a:r>
-            <a:r>
-              <a:rPr lang="es-ES" sz="2000" b="1" dirty="0" err="1"/>
-              <a:t>ip</a:t>
-            </a:r>
-            <a:endParaRPr lang="es-ES" sz="2000" b="1" dirty="0"/>
-          </a:p>
-        </p:txBody>
-      </p:sp>
-      <p:pic>
-        <p:nvPicPr>
-          <p:cNvPr id="4" name="Picture 2">
-            <a:extLst>
-              <a:ext uri="{FF2B5EF4-FFF2-40B4-BE49-F238E27FC236}">
-                <a16:creationId xmlns:a16="http://schemas.microsoft.com/office/drawing/2014/main" id="{411F08F8-A0D1-481F-A133-A10630B604C9}"/>
-              </a:ext>
-            </a:extLst>
-          </p:cNvPr>
-          <p:cNvPicPr>
-            <a:picLocks noChangeAspect="1"/>
-          </p:cNvPicPr>
-          <p:nvPr/>
         </p:nvPicPr>
         <p:blipFill>
           <a:blip r:embed="rId3" cstate="email">
@@ -14794,18 +14345,199 @@
         </p:blipFill>
         <p:spPr>
           <a:xfrm>
-            <a:off x="1789466" y="2345481"/>
-            <a:ext cx="6037175" cy="3785897"/>
+            <a:off x="2162294" y="3016019"/>
+            <a:ext cx="5428610" cy="3752173"/>
+          </a:xfrm>
+        </p:spPr>
+      </p:pic>
+      <p:sp>
+        <p:nvSpPr>
+          <p:cNvPr id="5" name="Rectangle 4"/>
+          <p:cNvSpPr/>
+          <p:nvPr/>
+        </p:nvSpPr>
+        <p:spPr>
+          <a:xfrm>
+            <a:off x="277042" y="1423059"/>
+            <a:ext cx="8718102" cy="1948226"/>
           </a:xfrm>
           <a:prstGeom prst="rect">
             <a:avLst/>
           </a:prstGeom>
         </p:spPr>
-      </p:pic>
+        <p:txBody>
+          <a:bodyPr wrap="square">
+            <a:spAutoFit/>
+          </a:bodyPr>
+          <a:lstStyle/>
+          <a:p>
+            <a:pPr marL="236538" lvl="0" indent="-236538" algn="l" defTabSz="814388">
+              <a:lnSpc>
+                <a:spcPct val="95000"/>
+              </a:lnSpc>
+              <a:spcBef>
+                <a:spcPct val="50000"/>
+              </a:spcBef>
+              <a:buClr>
+                <a:srgbClr val="708CA1"/>
+              </a:buClr>
+              <a:buFont typeface="Wingdings" pitchFamily="2" charset="2"/>
+              <a:buChar char="§"/>
+            </a:pPr>
+            <a:r>
+              <a:rPr lang="es-ES" sz="1800" kern="0" dirty="0">
+                <a:solidFill>
+                  <a:srgbClr val="000000"/>
+                </a:solidFill>
+                <a:latin typeface="Arial"/>
+              </a:rPr>
+              <a:t>Una </a:t>
+            </a:r>
+            <a:r>
+              <a:rPr lang="es-ES" sz="1800" b="1" kern="0" dirty="0">
+                <a:solidFill>
+                  <a:srgbClr val="000000"/>
+                </a:solidFill>
+                <a:latin typeface="Arial"/>
+              </a:rPr>
+              <a:t>ruta estática por default</a:t>
+            </a:r>
+            <a:r>
+              <a:rPr lang="es-ES" sz="1800" kern="0" dirty="0">
+                <a:solidFill>
+                  <a:srgbClr val="000000"/>
+                </a:solidFill>
+                <a:latin typeface="Arial"/>
+              </a:rPr>
+              <a:t> es aquella que coincide con todos los paquetes. </a:t>
+            </a:r>
+          </a:p>
+          <a:p>
+            <a:pPr marL="236538" lvl="0" indent="-236538" algn="l" defTabSz="814388">
+              <a:lnSpc>
+                <a:spcPct val="95000"/>
+              </a:lnSpc>
+              <a:spcBef>
+                <a:spcPct val="50000"/>
+              </a:spcBef>
+              <a:buClr>
+                <a:srgbClr val="708CA1"/>
+              </a:buClr>
+              <a:buFont typeface="Wingdings" pitchFamily="2" charset="2"/>
+              <a:buChar char="§"/>
+            </a:pPr>
+            <a:r>
+              <a:rPr lang="es-ES" sz="1800" kern="0" dirty="0">
+                <a:solidFill>
+                  <a:srgbClr val="000000"/>
+                </a:solidFill>
+                <a:latin typeface="Arial"/>
+              </a:rPr>
+              <a:t>Una </a:t>
+            </a:r>
+            <a:r>
+              <a:rPr lang="es-ES" sz="1800" b="1" kern="0" dirty="0">
+                <a:solidFill>
+                  <a:srgbClr val="000000"/>
+                </a:solidFill>
+                <a:latin typeface="Arial"/>
+              </a:rPr>
+              <a:t>ruta estática por default</a:t>
+            </a:r>
+            <a:r>
+              <a:rPr lang="es-ES" sz="1800" kern="0" dirty="0">
+                <a:solidFill>
+                  <a:srgbClr val="000000"/>
+                </a:solidFill>
+                <a:latin typeface="Arial"/>
+              </a:rPr>
+              <a:t> identifica la dirección </a:t>
+            </a:r>
+            <a:r>
+              <a:rPr lang="es-ES" sz="1800" b="1" kern="0" dirty="0">
+                <a:solidFill>
+                  <a:srgbClr val="000000"/>
+                </a:solidFill>
+                <a:latin typeface="Arial"/>
+              </a:rPr>
+              <a:t>IP del gateway </a:t>
+            </a:r>
+            <a:r>
+              <a:rPr lang="es-ES" sz="1800" kern="0" dirty="0">
+                <a:solidFill>
+                  <a:srgbClr val="000000"/>
+                </a:solidFill>
+                <a:latin typeface="Arial"/>
+              </a:rPr>
+              <a:t>al cual el router envía todos los paquetes IP para los que no tiene una ruta descubierta o estática. </a:t>
+            </a:r>
+          </a:p>
+          <a:p>
+            <a:pPr marL="236538" lvl="0" indent="-236538" algn="l" defTabSz="814388">
+              <a:lnSpc>
+                <a:spcPct val="95000"/>
+              </a:lnSpc>
+              <a:spcBef>
+                <a:spcPct val="50000"/>
+              </a:spcBef>
+              <a:buClr>
+                <a:srgbClr val="708CA1"/>
+              </a:buClr>
+              <a:buFont typeface="Wingdings" pitchFamily="2" charset="2"/>
+              <a:buChar char="§"/>
+            </a:pPr>
+            <a:r>
+              <a:rPr lang="es-ES" sz="1800" kern="0" dirty="0">
+                <a:solidFill>
+                  <a:srgbClr val="000000"/>
+                </a:solidFill>
+                <a:latin typeface="Arial"/>
+              </a:rPr>
+              <a:t>Una </a:t>
+            </a:r>
+            <a:r>
+              <a:rPr lang="es-ES" sz="1800" b="1" kern="0" dirty="0">
+                <a:solidFill>
+                  <a:srgbClr val="000000"/>
+                </a:solidFill>
+                <a:latin typeface="Arial"/>
+              </a:rPr>
+              <a:t>ruta estática por default</a:t>
+            </a:r>
+            <a:r>
+              <a:rPr lang="es-ES" sz="1800" kern="0" dirty="0">
+                <a:solidFill>
+                  <a:srgbClr val="000000"/>
+                </a:solidFill>
+                <a:latin typeface="Arial"/>
+              </a:rPr>
+              <a:t> es simplemente una </a:t>
+            </a:r>
+            <a:r>
+              <a:rPr lang="es-ES" sz="1800" b="1" kern="0" dirty="0">
+                <a:solidFill>
+                  <a:srgbClr val="000000"/>
+                </a:solidFill>
+                <a:latin typeface="Arial"/>
+              </a:rPr>
+              <a:t>ruta estática con 0.0.0.0/0</a:t>
+            </a:r>
+            <a:r>
+              <a:rPr lang="es-ES" sz="1800" kern="0" dirty="0">
+                <a:solidFill>
+                  <a:srgbClr val="000000"/>
+                </a:solidFill>
+                <a:latin typeface="Arial"/>
+              </a:rPr>
+              <a:t> como dirección IPv4 de destino.</a:t>
+            </a:r>
+          </a:p>
+        </p:txBody>
+      </p:sp>
     </p:spTree>
     <p:extLst>
       <p:ext uri="{BB962C8B-B14F-4D97-AF65-F5344CB8AC3E}">
-        <p14:creationId xmlns:p14="http://schemas.microsoft.com/office/powerpoint/2010/main" val="151792237"/>
+        <p14:creationId xmlns:p14="http://schemas.microsoft.com/office/powerpoint/2010/main" val="4162076681"/>
       </p:ext>
     </p:extLst>
   </p:cSld>
@@ -14859,20 +14591,18 @@
             </a:br>
             <a:r>
               <a:rPr lang="es-ES" dirty="0"/>
-              <a:t>Ruta estática por default (predeterminada)</a:t>
+              <a:t>Ruta estática resumida</a:t>
             </a:r>
           </a:p>
         </p:txBody>
       </p:sp>
       <p:pic>
         <p:nvPicPr>
-          <p:cNvPr id="4" name="Content Placeholder 3"/>
+          <p:cNvPr id="3" name="Picture 2"/>
           <p:cNvPicPr>
-            <a:picLocks noGrp="1" noChangeAspect="1"/>
+            <a:picLocks noChangeAspect="1"/>
           </p:cNvPicPr>
-          <p:nvPr>
-            <p:ph idx="1"/>
-          </p:nvPr>
+          <p:nvPr/>
         </p:nvPicPr>
         <p:blipFill>
           <a:blip r:embed="rId3" cstate="email">
@@ -14888,199 +14618,204 @@
         </p:blipFill>
         <p:spPr>
           <a:xfrm>
-            <a:off x="2162294" y="3016019"/>
-            <a:ext cx="5428610" cy="3752173"/>
-          </a:xfrm>
-        </p:spPr>
-      </p:pic>
-      <p:sp>
-        <p:nvSpPr>
-          <p:cNvPr id="5" name="Rectangle 4"/>
-          <p:cNvSpPr/>
-          <p:nvPr/>
-        </p:nvSpPr>
-        <p:spPr>
-          <a:xfrm>
-            <a:off x="277042" y="1423059"/>
-            <a:ext cx="8718102" cy="1948226"/>
+            <a:off x="752764" y="1330777"/>
+            <a:ext cx="6994235" cy="5036825"/>
           </a:xfrm>
           <a:prstGeom prst="rect">
             <a:avLst/>
           </a:prstGeom>
         </p:spPr>
+      </p:pic>
+      <p:sp>
+        <p:nvSpPr>
+          <p:cNvPr id="2" name="CuadroTexto 1">
+            <a:extLst>
+              <a:ext uri="{FF2B5EF4-FFF2-40B4-BE49-F238E27FC236}">
+                <a16:creationId xmlns:a16="http://schemas.microsoft.com/office/drawing/2014/main" id="{CB085657-5F3C-4E3E-8FE5-F0507C0E3C22}"/>
+              </a:ext>
+            </a:extLst>
+          </p:cNvPr>
+          <p:cNvSpPr txBox="1"/>
+          <p:nvPr/>
+        </p:nvSpPr>
+        <p:spPr>
+          <a:xfrm>
+            <a:off x="6172199" y="1610922"/>
+            <a:ext cx="2508076" cy="2336024"/>
+          </a:xfrm>
+          <a:prstGeom prst="rect">
+            <a:avLst/>
+          </a:prstGeom>
+          <a:noFill/>
+        </p:spPr>
         <p:txBody>
-          <a:bodyPr wrap="square">
+          <a:bodyPr wrap="square" rtlCol="0">
             <a:spAutoFit/>
           </a:bodyPr>
           <a:lstStyle/>
           <a:p>
-            <a:pPr marL="236538" lvl="0" indent="-236538" algn="l" defTabSz="814388">
-              <a:lnSpc>
-                <a:spcPct val="95000"/>
-              </a:lnSpc>
-              <a:spcBef>
-                <a:spcPct val="50000"/>
-              </a:spcBef>
-              <a:buClr>
-                <a:srgbClr val="708CA1"/>
-              </a:buClr>
-              <a:buFont typeface="Wingdings" pitchFamily="2" charset="2"/>
-              <a:buChar char="§"/>
-            </a:pPr>
-            <a:r>
-              <a:rPr lang="es-ES" sz="1800" kern="0" dirty="0">
-                <a:solidFill>
-                  <a:srgbClr val="000000"/>
-                </a:solidFill>
-                <a:latin typeface="Arial"/>
+            <a:pPr algn="r"/>
+            <a:r>
+              <a:rPr lang="es-ES" sz="1800" dirty="0"/>
+              <a:t>20 : </a:t>
+            </a:r>
+            <a:r>
+              <a:rPr lang="es-ES" sz="1800" b="1" dirty="0">
+                <a:solidFill>
+                  <a:srgbClr val="FF0000"/>
+                </a:solidFill>
               </a:rPr>
-              <a:t>Una </a:t>
-            </a:r>
-            <a:r>
-              <a:rPr lang="es-ES" sz="1800" b="1" kern="0" dirty="0">
-                <a:solidFill>
-                  <a:srgbClr val="000000"/>
-                </a:solidFill>
-                <a:latin typeface="Arial"/>
+              <a:t>0001 01</a:t>
+            </a:r>
+            <a:r>
+              <a:rPr lang="es-ES" sz="1800" dirty="0"/>
+              <a:t>00</a:t>
+            </a:r>
+          </a:p>
+          <a:p>
+            <a:pPr algn="r"/>
+            <a:r>
+              <a:rPr lang="es-ES" sz="1800" dirty="0"/>
+              <a:t>21 : </a:t>
+            </a:r>
+            <a:r>
+              <a:rPr lang="es-ES" sz="1800" b="1" dirty="0">
+                <a:solidFill>
+                  <a:srgbClr val="FF0000"/>
+                </a:solidFill>
               </a:rPr>
-              <a:t>ruta estática por default</a:t>
-            </a:r>
-            <a:r>
-              <a:rPr lang="es-ES" sz="1800" kern="0" dirty="0">
-                <a:solidFill>
-                  <a:srgbClr val="000000"/>
-                </a:solidFill>
-                <a:latin typeface="Arial"/>
+              <a:t>0001 01</a:t>
+            </a:r>
+            <a:r>
+              <a:rPr lang="es-ES" sz="1800" dirty="0"/>
+              <a:t>01</a:t>
+            </a:r>
+          </a:p>
+          <a:p>
+            <a:pPr algn="r"/>
+            <a:r>
+              <a:rPr lang="es-ES" sz="1800" dirty="0"/>
+              <a:t>22 : </a:t>
+            </a:r>
+            <a:r>
+              <a:rPr lang="es-ES" sz="1800" b="1" dirty="0">
+                <a:solidFill>
+                  <a:srgbClr val="FF0000"/>
+                </a:solidFill>
               </a:rPr>
-              <a:t> es aquella que coincide con todos los paquetes. </a:t>
-            </a:r>
-          </a:p>
-          <a:p>
-            <a:pPr marL="236538" lvl="0" indent="-236538" algn="l" defTabSz="814388">
-              <a:lnSpc>
-                <a:spcPct val="95000"/>
-              </a:lnSpc>
-              <a:spcBef>
-                <a:spcPct val="50000"/>
-              </a:spcBef>
-              <a:buClr>
-                <a:srgbClr val="708CA1"/>
-              </a:buClr>
-              <a:buFont typeface="Wingdings" pitchFamily="2" charset="2"/>
-              <a:buChar char="§"/>
-            </a:pPr>
-            <a:r>
-              <a:rPr lang="es-ES" sz="1800" kern="0" dirty="0">
-                <a:solidFill>
-                  <a:srgbClr val="000000"/>
-                </a:solidFill>
-                <a:latin typeface="Arial"/>
+              <a:t>0001 01</a:t>
+            </a:r>
+            <a:r>
+              <a:rPr lang="es-ES" sz="1800" dirty="0"/>
+              <a:t>10</a:t>
+            </a:r>
+          </a:p>
+          <a:p>
+            <a:pPr algn="r"/>
+            <a:r>
+              <a:rPr lang="es-ES" sz="1800" dirty="0"/>
+              <a:t>23 : </a:t>
+            </a:r>
+            <a:r>
+              <a:rPr lang="es-ES" sz="1800" b="1" dirty="0">
+                <a:solidFill>
+                  <a:srgbClr val="FF0000"/>
+                </a:solidFill>
               </a:rPr>
-              <a:t>Una </a:t>
-            </a:r>
-            <a:r>
-              <a:rPr lang="es-ES" sz="1800" b="1" kern="0" dirty="0">
-                <a:solidFill>
-                  <a:srgbClr val="000000"/>
-                </a:solidFill>
-                <a:latin typeface="Arial"/>
+              <a:t>0001 01</a:t>
+            </a:r>
+            <a:r>
+              <a:rPr lang="es-ES" sz="1800" dirty="0"/>
+              <a:t>11</a:t>
+            </a:r>
+          </a:p>
+          <a:p>
+            <a:pPr algn="r"/>
+            <a:r>
+              <a:rPr lang="es-ES" sz="1800" b="1" dirty="0">
+                <a:solidFill>
+                  <a:srgbClr val="FF0000"/>
+                </a:solidFill>
               </a:rPr>
-              <a:t>ruta estática por default</a:t>
-            </a:r>
-            <a:r>
-              <a:rPr lang="es-ES" sz="1800" kern="0" dirty="0">
-                <a:solidFill>
-                  <a:srgbClr val="000000"/>
-                </a:solidFill>
-                <a:latin typeface="Arial"/>
-              </a:rPr>
-              <a:t> identifica la dirección </a:t>
-            </a:r>
-            <a:r>
-              <a:rPr lang="es-ES" sz="1800" b="1" kern="0" dirty="0">
-                <a:solidFill>
-                  <a:srgbClr val="000000"/>
-                </a:solidFill>
-                <a:latin typeface="Arial"/>
-              </a:rPr>
-              <a:t>IP del gateway </a:t>
-            </a:r>
-            <a:r>
-              <a:rPr lang="es-ES" sz="1800" kern="0" dirty="0">
-                <a:solidFill>
-                  <a:srgbClr val="000000"/>
-                </a:solidFill>
-                <a:latin typeface="Arial"/>
-              </a:rPr>
-              <a:t>al cual el router envía todos los paquetes IP para los que no tiene una ruta descubierta o estática. </a:t>
-            </a:r>
-          </a:p>
-          <a:p>
-            <a:pPr marL="236538" lvl="0" indent="-236538" algn="l" defTabSz="814388">
-              <a:lnSpc>
-                <a:spcPct val="95000"/>
-              </a:lnSpc>
-              <a:spcBef>
-                <a:spcPct val="50000"/>
-              </a:spcBef>
-              <a:buClr>
-                <a:srgbClr val="708CA1"/>
-              </a:buClr>
-              <a:buFont typeface="Wingdings" pitchFamily="2" charset="2"/>
-              <a:buChar char="§"/>
-            </a:pPr>
-            <a:r>
-              <a:rPr lang="es-ES" sz="1800" kern="0" dirty="0">
-                <a:solidFill>
-                  <a:srgbClr val="000000"/>
-                </a:solidFill>
-                <a:latin typeface="Arial"/>
-              </a:rPr>
-              <a:t>Una </a:t>
-            </a:r>
-            <a:r>
-              <a:rPr lang="es-ES" sz="1800" b="1" kern="0" dirty="0">
-                <a:solidFill>
-                  <a:srgbClr val="000000"/>
-                </a:solidFill>
-                <a:latin typeface="Arial"/>
-              </a:rPr>
-              <a:t>ruta estática por default</a:t>
-            </a:r>
-            <a:r>
-              <a:rPr lang="es-ES" sz="1800" kern="0" dirty="0">
-                <a:solidFill>
-                  <a:srgbClr val="000000"/>
-                </a:solidFill>
-                <a:latin typeface="Arial"/>
-              </a:rPr>
-              <a:t> es simplemente una </a:t>
-            </a:r>
-            <a:r>
-              <a:rPr lang="es-ES" sz="1800" b="1" kern="0" dirty="0">
-                <a:solidFill>
-                  <a:srgbClr val="000000"/>
-                </a:solidFill>
-                <a:latin typeface="Arial"/>
-              </a:rPr>
-              <a:t>ruta estática con 0.0.0.0/0</a:t>
-            </a:r>
-            <a:r>
-              <a:rPr lang="es-ES" sz="1800" kern="0" dirty="0">
-                <a:solidFill>
-                  <a:srgbClr val="000000"/>
-                </a:solidFill>
-                <a:latin typeface="Arial"/>
-              </a:rPr>
-              <a:t> como dirección IPv4 de destino.</a:t>
-            </a:r>
+              <a:t>1111 11</a:t>
+            </a:r>
+            <a:r>
+              <a:rPr lang="es-ES" sz="1800" b="1" dirty="0"/>
+              <a:t>00</a:t>
+            </a:r>
+          </a:p>
+          <a:p>
+            <a:endParaRPr lang="es-ES" dirty="0"/>
+          </a:p>
+          <a:p>
+            <a:endParaRPr lang="es-ES" dirty="0"/>
+          </a:p>
+          <a:p>
+            <a:r>
+              <a:rPr lang="es-ES" dirty="0"/>
+              <a:t> </a:t>
+            </a:r>
+            <a:endParaRPr lang="es-MX" dirty="0"/>
+          </a:p>
+        </p:txBody>
+      </p:sp>
+      <p:sp>
+        <p:nvSpPr>
+          <p:cNvPr id="4" name="CuadroTexto 3">
+            <a:extLst>
+              <a:ext uri="{FF2B5EF4-FFF2-40B4-BE49-F238E27FC236}">
+                <a16:creationId xmlns:a16="http://schemas.microsoft.com/office/drawing/2014/main" id="{1BD2729E-CBCB-4186-8E7C-8FCB8E89F807}"/>
+              </a:ext>
+            </a:extLst>
+          </p:cNvPr>
+          <p:cNvSpPr txBox="1"/>
+          <p:nvPr/>
+        </p:nvSpPr>
+        <p:spPr>
+          <a:xfrm>
+            <a:off x="783029" y="5980993"/>
+            <a:ext cx="7608207" cy="590931"/>
+          </a:xfrm>
+          <a:prstGeom prst="rect">
+            <a:avLst/>
+          </a:prstGeom>
+          <a:noFill/>
+        </p:spPr>
+        <p:txBody>
+          <a:bodyPr wrap="square" rtlCol="0">
+            <a:spAutoFit/>
+          </a:bodyPr>
+          <a:lstStyle/>
+          <a:p>
+            <a:pPr algn="just"/>
+            <a:r>
+              <a:rPr lang="es-ES" sz="1800" b="1" dirty="0" err="1"/>
+              <a:t>Sumarizar</a:t>
+            </a:r>
+            <a:r>
+              <a:rPr lang="es-ES" sz="1800" b="1" dirty="0"/>
+              <a:t> (resumir) </a:t>
+            </a:r>
+            <a:r>
+              <a:rPr lang="es-ES" sz="1800" dirty="0"/>
+              <a:t>también recibe el nombre de </a:t>
+            </a:r>
+            <a:r>
+              <a:rPr lang="es-ES" sz="1800" b="1" dirty="0" err="1"/>
+              <a:t>supraneteo</a:t>
+            </a:r>
+            <a:r>
+              <a:rPr lang="es-ES" sz="1800" dirty="0"/>
+              <a:t> y es el hecho de poder agregar múltiples rutas en una sola.</a:t>
+            </a:r>
+            <a:endParaRPr lang="es-MX" sz="1800" dirty="0"/>
           </a:p>
         </p:txBody>
       </p:sp>
     </p:spTree>
     <p:extLst>
       <p:ext uri="{BB962C8B-B14F-4D97-AF65-F5344CB8AC3E}">
-        <p14:creationId xmlns:p14="http://schemas.microsoft.com/office/powerpoint/2010/main" val="4162076681"/>
+        <p14:creationId xmlns:p14="http://schemas.microsoft.com/office/powerpoint/2010/main" val="3226650176"/>
       </p:ext>
     </p:extLst>
   </p:cSld>
@@ -15134,14 +14869,14 @@
             </a:br>
             <a:r>
               <a:rPr lang="es-ES" dirty="0"/>
-              <a:t>Ruta estática resumida</a:t>
+              <a:t>Ruta estática flotante</a:t>
             </a:r>
           </a:p>
         </p:txBody>
       </p:sp>
       <p:pic>
         <p:nvPicPr>
-          <p:cNvPr id="3" name="Picture 2"/>
+          <p:cNvPr id="2" name="Picture 1"/>
           <p:cNvPicPr>
             <a:picLocks noChangeAspect="1"/>
           </p:cNvPicPr>
@@ -15161,204 +14896,18 @@
         </p:blipFill>
         <p:spPr>
           <a:xfrm>
-            <a:off x="752764" y="1330777"/>
-            <a:ext cx="6994235" cy="5036825"/>
+            <a:off x="1136073" y="1330515"/>
+            <a:ext cx="7140037" cy="5207991"/>
           </a:xfrm>
           <a:prstGeom prst="rect">
             <a:avLst/>
           </a:prstGeom>
         </p:spPr>
       </p:pic>
-      <p:sp>
-        <p:nvSpPr>
-          <p:cNvPr id="2" name="CuadroTexto 1">
-            <a:extLst>
-              <a:ext uri="{FF2B5EF4-FFF2-40B4-BE49-F238E27FC236}">
-                <a16:creationId xmlns:a16="http://schemas.microsoft.com/office/drawing/2014/main" id="{CB085657-5F3C-4E3E-8FE5-F0507C0E3C22}"/>
-              </a:ext>
-            </a:extLst>
-          </p:cNvPr>
-          <p:cNvSpPr txBox="1"/>
-          <p:nvPr/>
-        </p:nvSpPr>
-        <p:spPr>
-          <a:xfrm>
-            <a:off x="6172199" y="1610922"/>
-            <a:ext cx="2508076" cy="2336024"/>
-          </a:xfrm>
-          <a:prstGeom prst="rect">
-            <a:avLst/>
-          </a:prstGeom>
-          <a:noFill/>
-        </p:spPr>
-        <p:txBody>
-          <a:bodyPr wrap="square" rtlCol="0">
-            <a:spAutoFit/>
-          </a:bodyPr>
-          <a:lstStyle/>
-          <a:p>
-            <a:pPr algn="r"/>
-            <a:r>
-              <a:rPr lang="es-ES" sz="1800" dirty="0"/>
-              <a:t>20 : </a:t>
-            </a:r>
-            <a:r>
-              <a:rPr lang="es-ES" sz="1800" b="1" dirty="0">
-                <a:solidFill>
-                  <a:srgbClr val="FF0000"/>
-                </a:solidFill>
-              </a:rPr>
-              <a:t>0001 01</a:t>
-            </a:r>
-            <a:r>
-              <a:rPr lang="es-ES" sz="1800" dirty="0"/>
-              <a:t>00</a:t>
-            </a:r>
-          </a:p>
-          <a:p>
-            <a:pPr algn="r"/>
-            <a:r>
-              <a:rPr lang="es-ES" sz="1800" dirty="0"/>
-              <a:t>21 : </a:t>
-            </a:r>
-            <a:r>
-              <a:rPr lang="es-ES" sz="1800" b="1" dirty="0">
-                <a:solidFill>
-                  <a:srgbClr val="FF0000"/>
-                </a:solidFill>
-              </a:rPr>
-              <a:t>0001 01</a:t>
-            </a:r>
-            <a:r>
-              <a:rPr lang="es-ES" sz="1800" dirty="0"/>
-              <a:t>01</a:t>
-            </a:r>
-          </a:p>
-          <a:p>
-            <a:pPr algn="r"/>
-            <a:r>
-              <a:rPr lang="es-ES" sz="1800" dirty="0"/>
-              <a:t>22 : </a:t>
-            </a:r>
-            <a:r>
-              <a:rPr lang="es-ES" sz="1800" b="1" dirty="0">
-                <a:solidFill>
-                  <a:srgbClr val="FF0000"/>
-                </a:solidFill>
-              </a:rPr>
-              <a:t>0001 01</a:t>
-            </a:r>
-            <a:r>
-              <a:rPr lang="es-ES" sz="1800" dirty="0"/>
-              <a:t>10</a:t>
-            </a:r>
-          </a:p>
-          <a:p>
-            <a:pPr algn="r"/>
-            <a:r>
-              <a:rPr lang="es-ES" sz="1800" dirty="0"/>
-              <a:t>23 : </a:t>
-            </a:r>
-            <a:r>
-              <a:rPr lang="es-ES" sz="1800" b="1" dirty="0">
-                <a:solidFill>
-                  <a:srgbClr val="FF0000"/>
-                </a:solidFill>
-              </a:rPr>
-              <a:t>0001 01</a:t>
-            </a:r>
-            <a:r>
-              <a:rPr lang="es-ES" sz="1800" dirty="0"/>
-              <a:t>11</a:t>
-            </a:r>
-          </a:p>
-          <a:p>
-            <a:pPr algn="r"/>
-            <a:r>
-              <a:rPr lang="es-ES" sz="1800" b="1" dirty="0">
-                <a:solidFill>
-                  <a:srgbClr val="FF0000"/>
-                </a:solidFill>
-              </a:rPr>
-              <a:t>1111 11</a:t>
-            </a:r>
-            <a:r>
-              <a:rPr lang="es-ES" sz="1800" b="1" dirty="0"/>
-              <a:t>00</a:t>
-            </a:r>
-          </a:p>
-          <a:p>
-            <a:endParaRPr lang="es-ES" dirty="0"/>
-          </a:p>
-          <a:p>
-            <a:endParaRPr lang="es-ES" dirty="0"/>
-          </a:p>
-          <a:p>
-            <a:r>
-              <a:rPr lang="es-ES" dirty="0"/>
-              <a:t> </a:t>
-            </a:r>
-            <a:endParaRPr lang="es-MX" dirty="0"/>
-          </a:p>
-        </p:txBody>
-      </p:sp>
-      <p:sp>
-        <p:nvSpPr>
-          <p:cNvPr id="4" name="CuadroTexto 3">
-            <a:extLst>
-              <a:ext uri="{FF2B5EF4-FFF2-40B4-BE49-F238E27FC236}">
-                <a16:creationId xmlns:a16="http://schemas.microsoft.com/office/drawing/2014/main" id="{1BD2729E-CBCB-4186-8E7C-8FCB8E89F807}"/>
-              </a:ext>
-            </a:extLst>
-          </p:cNvPr>
-          <p:cNvSpPr txBox="1"/>
-          <p:nvPr/>
-        </p:nvSpPr>
-        <p:spPr>
-          <a:xfrm>
-            <a:off x="783029" y="5980993"/>
-            <a:ext cx="7608207" cy="590931"/>
-          </a:xfrm>
-          <a:prstGeom prst="rect">
-            <a:avLst/>
-          </a:prstGeom>
-          <a:noFill/>
-        </p:spPr>
-        <p:txBody>
-          <a:bodyPr wrap="square" rtlCol="0">
-            <a:spAutoFit/>
-          </a:bodyPr>
-          <a:lstStyle/>
-          <a:p>
-            <a:pPr algn="just"/>
-            <a:r>
-              <a:rPr lang="es-ES" sz="1800" b="1" dirty="0" err="1"/>
-              <a:t>Sumarizar</a:t>
-            </a:r>
-            <a:r>
-              <a:rPr lang="es-ES" sz="1800" b="1" dirty="0"/>
-              <a:t> (resumir) </a:t>
-            </a:r>
-            <a:r>
-              <a:rPr lang="es-ES" sz="1800" dirty="0"/>
-              <a:t>también recibe el nombre de </a:t>
-            </a:r>
-            <a:r>
-              <a:rPr lang="es-ES" sz="1800" b="1" dirty="0" err="1"/>
-              <a:t>supraneteo</a:t>
-            </a:r>
-            <a:r>
-              <a:rPr lang="es-ES" sz="1800" dirty="0"/>
-              <a:t> y es el hecho de poder agregar múltiples rutas en una sola.</a:t>
-            </a:r>
-            <a:endParaRPr lang="es-MX" sz="1800" dirty="0"/>
-          </a:p>
-        </p:txBody>
-      </p:sp>
     </p:spTree>
     <p:extLst>
       <p:ext uri="{BB962C8B-B14F-4D97-AF65-F5344CB8AC3E}">
-        <p14:creationId xmlns:p14="http://schemas.microsoft.com/office/powerpoint/2010/main" val="3226650176"/>
+        <p14:creationId xmlns:p14="http://schemas.microsoft.com/office/powerpoint/2010/main" val="476550011"/>
       </p:ext>
     </p:extLst>
   </p:cSld>
@@ -15390,74 +14939,48 @@
       </p:grpSpPr>
       <p:sp>
         <p:nvSpPr>
-          <p:cNvPr id="21505" name="Rectangle 2"/>
+          <p:cNvPr id="5122" name="Rectangle 2"/>
           <p:cNvSpPr>
             <a:spLocks noGrp="1" noChangeArrowheads="1"/>
           </p:cNvSpPr>
           <p:nvPr>
-            <p:ph type="title"/>
+            <p:ph type="ctrTitle"/>
           </p:nvPr>
         </p:nvSpPr>
-        <p:spPr/>
+        <p:spPr>
+          <a:xfrm>
+            <a:off x="327478" y="2214789"/>
+            <a:ext cx="4146551" cy="1891846"/>
+          </a:xfrm>
+        </p:spPr>
         <p:txBody>
           <a:bodyPr/>
           <a:lstStyle/>
           <a:p>
-            <a:r>
-              <a:rPr lang="es-ES" sz="1800" dirty="0"/>
-              <a:t>Tipos de rutas estáticas</a:t>
-            </a:r>
-            <a:br>
-              <a:rPr dirty="0"/>
-            </a:br>
-            <a:r>
-              <a:rPr lang="es-ES" dirty="0"/>
-              <a:t>Ruta estática flotante</a:t>
-            </a:r>
+            <a:pPr eaLnBrk="1" hangingPunct="1"/>
+            <a:r>
+              <a:rPr lang="es-ES" sz="2400" dirty="0"/>
+              <a:t>Configurar rutas estáticas y por default (predeterminadas)</a:t>
+            </a:r>
+            <a:endParaRPr lang="es-ES" sz="2400" dirty="0">
+              <a:solidFill>
+                <a:srgbClr val="00B0F0"/>
+              </a:solidFill>
+            </a:endParaRPr>
           </a:p>
         </p:txBody>
       </p:sp>
-      <p:pic>
-        <p:nvPicPr>
-          <p:cNvPr id="2" name="Picture 1"/>
-          <p:cNvPicPr>
-            <a:picLocks noChangeAspect="1"/>
-          </p:cNvPicPr>
-          <p:nvPr/>
-        </p:nvPicPr>
-        <p:blipFill>
-          <a:blip r:embed="rId3" cstate="email">
-            <a:extLst>
-              <a:ext uri="{28A0092B-C50C-407E-A947-70E740481C1C}">
-                <a14:useLocalDpi xmlns:a14="http://schemas.microsoft.com/office/drawing/2010/main" val="0"/>
-              </a:ext>
-            </a:extLst>
-          </a:blip>
-          <a:stretch>
-            <a:fillRect/>
-          </a:stretch>
-        </p:blipFill>
-        <p:spPr>
-          <a:xfrm>
-            <a:off x="1136073" y="1330515"/>
-            <a:ext cx="7140037" cy="5207991"/>
-          </a:xfrm>
-          <a:prstGeom prst="rect">
-            <a:avLst/>
-          </a:prstGeom>
-        </p:spPr>
-      </p:pic>
     </p:spTree>
     <p:extLst>
       <p:ext uri="{BB962C8B-B14F-4D97-AF65-F5344CB8AC3E}">
-        <p14:creationId xmlns:p14="http://schemas.microsoft.com/office/powerpoint/2010/main" val="476550011"/>
+        <p14:creationId xmlns:p14="http://schemas.microsoft.com/office/powerpoint/2010/main" val="1565692449"/>
       </p:ext>
     </p:extLst>
   </p:cSld>
   <p:clrMapOvr>
     <a:masterClrMapping/>
   </p:clrMapOvr>
-  <p:transition spd="med">
+  <p:transition>
     <p:wipe dir="r"/>
   </p:transition>
 </p:sld>
@@ -15482,48 +15005,79 @@
       </p:grpSpPr>
       <p:sp>
         <p:nvSpPr>
-          <p:cNvPr id="5122" name="Rectangle 2"/>
+          <p:cNvPr id="21505" name="Rectangle 2"/>
           <p:cNvSpPr>
             <a:spLocks noGrp="1" noChangeArrowheads="1"/>
           </p:cNvSpPr>
           <p:nvPr>
-            <p:ph type="ctrTitle"/>
+            <p:ph type="title"/>
           </p:nvPr>
         </p:nvSpPr>
         <p:spPr>
           <a:xfrm>
-            <a:off x="327478" y="2214789"/>
-            <a:ext cx="4146551" cy="1891846"/>
+            <a:off x="193866" y="394392"/>
+            <a:ext cx="8772157" cy="838200"/>
           </a:xfrm>
         </p:spPr>
         <p:txBody>
           <a:bodyPr/>
           <a:lstStyle/>
           <a:p>
-            <a:pPr eaLnBrk="1" hangingPunct="1"/>
-            <a:r>
-              <a:rPr lang="es-ES" sz="2400" dirty="0"/>
-              <a:t>Configurar rutas estáticas y por default (predeterminadas)</a:t>
-            </a:r>
-            <a:endParaRPr lang="es-ES" sz="2400" dirty="0">
-              <a:solidFill>
-                <a:srgbClr val="00B0F0"/>
-              </a:solidFill>
-            </a:endParaRPr>
+            <a:pPr algn="ctr"/>
+            <a:r>
+              <a:rPr lang="es-ES" dirty="0"/>
+              <a:t>Comando </a:t>
+            </a:r>
+            <a:r>
+              <a:rPr lang="es-ES" dirty="0">
+                <a:latin typeface="Courier New" panose="02070309020205020404" pitchFamily="49" charset="0"/>
+              </a:rPr>
+              <a:t>ip route</a:t>
+            </a:r>
           </a:p>
         </p:txBody>
       </p:sp>
+      <p:pic>
+        <p:nvPicPr>
+          <p:cNvPr id="4" name="Picture 3"/>
+          <p:cNvPicPr>
+            <a:picLocks noChangeAspect="1"/>
+          </p:cNvPicPr>
+          <p:nvPr/>
+        </p:nvPicPr>
+        <p:blipFill>
+          <a:blip r:embed="rId3" cstate="email">
+            <a:extLst>
+              <a:ext uri="{28A0092B-C50C-407E-A947-70E740481C1C}">
+                <a14:useLocalDpi xmlns:a14="http://schemas.microsoft.com/office/drawing/2010/main" val="0"/>
+              </a:ext>
+            </a:extLst>
+          </a:blip>
+          <a:stretch>
+            <a:fillRect/>
+          </a:stretch>
+        </p:blipFill>
+        <p:spPr>
+          <a:xfrm>
+            <a:off x="1272346" y="1343429"/>
+            <a:ext cx="6615199" cy="5195917"/>
+          </a:xfrm>
+          <a:prstGeom prst="rect">
+            <a:avLst/>
+          </a:prstGeom>
+        </p:spPr>
+      </p:pic>
     </p:spTree>
     <p:extLst>
       <p:ext uri="{BB962C8B-B14F-4D97-AF65-F5344CB8AC3E}">
-        <p14:creationId xmlns:p14="http://schemas.microsoft.com/office/powerpoint/2010/main" val="1565692449"/>
+        <p14:creationId xmlns:p14="http://schemas.microsoft.com/office/powerpoint/2010/main" val="2559917394"/>
       </p:ext>
     </p:extLst>
   </p:cSld>
   <p:clrMapOvr>
     <a:masterClrMapping/>
   </p:clrMapOvr>
-  <p:transition>
+  <p:transition spd="med">
     <p:wipe dir="r"/>
   </p:transition>
 </p:sld>
